--- a/examples/images/MetaBags.pptx
+++ b/examples/images/MetaBags.pptx
@@ -107,6 +107,11 @@
       </a:defRPr>
     </a:lvl9pPr>
   </p:defaultTextStyle>
+  <p:extLst>
+    <p:ext uri="{EFAFB233-063F-42B5-8137-9DF3F51BA10A}">
+      <p15:sldGuideLst xmlns:p15="http://schemas.microsoft.com/office/powerpoint/2012/main"/>
+    </p:ext>
+  </p:extLst>
 </p:presentation>
 </file>
 
@@ -504,6 +509,10 @@
           <a:bodyPr/>
           <a:lstStyle/>
           <a:p>
+            <a:r>
+              <a:rPr lang="en-US" smtClean="0"/>
+              <a:t>500 x 281</a:t>
+            </a:r>
             <a:endParaRPr lang="en-US" dirty="0"/>
           </a:p>
         </p:txBody>

--- a/examples/images/MetaBags.pptx
+++ b/examples/images/MetaBags.pptx
@@ -4144,13 +4144,15 @@
       <p:cxnSp>
         <p:nvCxnSpPr>
           <p:cNvPr id="23" name="Straight Connector 22"/>
-          <p:cNvCxnSpPr/>
+          <p:cNvCxnSpPr>
+            <a:stCxn id="21" idx="1"/>
+          </p:cNvCxnSpPr>
           <p:nvPr/>
         </p:nvCxnSpPr>
         <p:spPr>
-          <a:xfrm flipH="1" flipV="1">
-            <a:off x="9446368" y="4942992"/>
-            <a:ext cx="621611" cy="1"/>
+          <a:xfrm flipH="1">
+            <a:off x="9446369" y="4934343"/>
+            <a:ext cx="431605" cy="8650"/>
           </a:xfrm>
           <a:prstGeom prst="line">
             <a:avLst/>
@@ -4184,8 +4186,8 @@
         </p:nvSpPr>
         <p:spPr>
           <a:xfrm>
-            <a:off x="259987" y="63740"/>
-            <a:ext cx="4156844" cy="646331"/>
+            <a:off x="139613" y="16344"/>
+            <a:ext cx="4601388" cy="707886"/>
           </a:xfrm>
           <a:prstGeom prst="rect">
             <a:avLst/>
@@ -4199,26 +4201,34 @@
           <a:lstStyle/>
           <a:p>
             <a:r>
-              <a:rPr lang="en-US" b="1" dirty="0" smtClean="0"/>
-              <a:t># The command used to create a new bag</a:t>
+              <a:rPr lang="en-US" sz="2000" dirty="0" smtClean="0"/>
+              <a:t># The command used to create a new </a:t>
+            </a:r>
+            <a:r>
+              <a:rPr lang="en-US" sz="2000" dirty="0" smtClean="0"/>
+              <a:t>bag:</a:t>
+            </a:r>
+            <a:r>
+              <a:rPr lang="en-US" sz="2000" i="1" dirty="0" smtClean="0"/>
+              <a:t/>
             </a:r>
             <a:br>
-              <a:rPr lang="en-US" b="1" dirty="0" smtClean="0"/>
+              <a:rPr lang="en-US" sz="2000" i="1" dirty="0" smtClean="0"/>
             </a:br>
             <a:r>
-              <a:rPr lang="en-US" b="1" dirty="0" smtClean="0"/>
+              <a:rPr lang="en-US" sz="2000" b="1" dirty="0" smtClean="0"/>
               <a:t>python </a:t>
             </a:r>
             <a:r>
-              <a:rPr lang="en-US" b="1" dirty="0" err="1"/>
+              <a:rPr lang="en-US" sz="2000" b="1" dirty="0" err="1"/>
               <a:t>meta.py</a:t>
             </a:r>
             <a:r>
-              <a:rPr lang="en-US" b="1" dirty="0"/>
+              <a:rPr lang="en-US" sz="2000" b="1" dirty="0"/>
               <a:t> -m </a:t>
             </a:r>
             <a:r>
-              <a:rPr lang="en-US" b="1" dirty="0" smtClean="0">
+              <a:rPr lang="en-US" sz="2000" b="1" dirty="0" smtClean="0">
                 <a:solidFill>
                   <a:schemeClr val="accent2"/>
                 </a:solidFill>
@@ -4226,18 +4236,18 @@
               <a:t>MYMINIDS</a:t>
             </a:r>
             <a:r>
-              <a:rPr lang="en-US" b="1" dirty="0" smtClean="0"/>
+              <a:rPr lang="en-US" sz="2000" b="1" dirty="0" smtClean="0"/>
               <a:t> -b </a:t>
             </a:r>
             <a:r>
-              <a:rPr lang="en-US" b="1" dirty="0" smtClean="0">
+              <a:rPr lang="en-US" sz="2000" b="1" dirty="0" smtClean="0">
                 <a:solidFill>
                   <a:schemeClr val="accent5"/>
                 </a:solidFill>
               </a:rPr>
               <a:t>MYBAG</a:t>
             </a:r>
-            <a:endParaRPr lang="en-US" b="1" dirty="0">
+            <a:endParaRPr lang="en-US" sz="2000" b="1" dirty="0">
               <a:solidFill>
                 <a:schemeClr val="accent5"/>
               </a:solidFill>

--- a/examples/images/MetaBags.pptx
+++ b/examples/images/MetaBags.pptx
@@ -197,7 +197,7 @@
           <a:p>
             <a:fld id="{CA53D209-B5C2-CD4B-B34A-0B9C43D2E7B5}" type="datetimeFigureOut">
               <a:rPr lang="en-US" smtClean="0"/>
-              <a:t>1/31/18</a:t>
+              <a:t>2/4/18</a:t>
             </a:fld>
             <a:endParaRPr lang="en-US"/>
           </a:p>
@@ -684,7 +684,7 @@
           <a:p>
             <a:fld id="{F61AD946-C20F-3040-BC42-02EB663A2BE6}" type="datetimeFigureOut">
               <a:rPr lang="en-US" smtClean="0"/>
-              <a:t>1/31/18</a:t>
+              <a:t>2/4/18</a:t>
             </a:fld>
             <a:endParaRPr lang="en-US"/>
           </a:p>
@@ -854,7 +854,7 @@
           <a:p>
             <a:fld id="{F61AD946-C20F-3040-BC42-02EB663A2BE6}" type="datetimeFigureOut">
               <a:rPr lang="en-US" smtClean="0"/>
-              <a:t>1/31/18</a:t>
+              <a:t>2/4/18</a:t>
             </a:fld>
             <a:endParaRPr lang="en-US"/>
           </a:p>
@@ -1034,7 +1034,7 @@
           <a:p>
             <a:fld id="{F61AD946-C20F-3040-BC42-02EB663A2BE6}" type="datetimeFigureOut">
               <a:rPr lang="en-US" smtClean="0"/>
-              <a:t>1/31/18</a:t>
+              <a:t>2/4/18</a:t>
             </a:fld>
             <a:endParaRPr lang="en-US"/>
           </a:p>
@@ -1204,7 +1204,7 @@
           <a:p>
             <a:fld id="{F61AD946-C20F-3040-BC42-02EB663A2BE6}" type="datetimeFigureOut">
               <a:rPr lang="en-US" smtClean="0"/>
-              <a:t>1/31/18</a:t>
+              <a:t>2/4/18</a:t>
             </a:fld>
             <a:endParaRPr lang="en-US"/>
           </a:p>
@@ -1450,7 +1450,7 @@
           <a:p>
             <a:fld id="{F61AD946-C20F-3040-BC42-02EB663A2BE6}" type="datetimeFigureOut">
               <a:rPr lang="en-US" smtClean="0"/>
-              <a:t>1/31/18</a:t>
+              <a:t>2/4/18</a:t>
             </a:fld>
             <a:endParaRPr lang="en-US"/>
           </a:p>
@@ -1682,7 +1682,7 @@
           <a:p>
             <a:fld id="{F61AD946-C20F-3040-BC42-02EB663A2BE6}" type="datetimeFigureOut">
               <a:rPr lang="en-US" smtClean="0"/>
-              <a:t>1/31/18</a:t>
+              <a:t>2/4/18</a:t>
             </a:fld>
             <a:endParaRPr lang="en-US"/>
           </a:p>
@@ -2049,7 +2049,7 @@
           <a:p>
             <a:fld id="{F61AD946-C20F-3040-BC42-02EB663A2BE6}" type="datetimeFigureOut">
               <a:rPr lang="en-US" smtClean="0"/>
-              <a:t>1/31/18</a:t>
+              <a:t>2/4/18</a:t>
             </a:fld>
             <a:endParaRPr lang="en-US"/>
           </a:p>
@@ -2167,7 +2167,7 @@
           <a:p>
             <a:fld id="{F61AD946-C20F-3040-BC42-02EB663A2BE6}" type="datetimeFigureOut">
               <a:rPr lang="en-US" smtClean="0"/>
-              <a:t>1/31/18</a:t>
+              <a:t>2/4/18</a:t>
             </a:fld>
             <a:endParaRPr lang="en-US"/>
           </a:p>
@@ -2262,7 +2262,7 @@
           <a:p>
             <a:fld id="{F61AD946-C20F-3040-BC42-02EB663A2BE6}" type="datetimeFigureOut">
               <a:rPr lang="en-US" smtClean="0"/>
-              <a:t>1/31/18</a:t>
+              <a:t>2/4/18</a:t>
             </a:fld>
             <a:endParaRPr lang="en-US"/>
           </a:p>
@@ -2539,7 +2539,7 @@
           <a:p>
             <a:fld id="{F61AD946-C20F-3040-BC42-02EB663A2BE6}" type="datetimeFigureOut">
               <a:rPr lang="en-US" smtClean="0"/>
-              <a:t>1/31/18</a:t>
+              <a:t>2/4/18</a:t>
             </a:fld>
             <a:endParaRPr lang="en-US"/>
           </a:p>
@@ -2792,7 +2792,7 @@
           <a:p>
             <a:fld id="{F61AD946-C20F-3040-BC42-02EB663A2BE6}" type="datetimeFigureOut">
               <a:rPr lang="en-US" smtClean="0"/>
-              <a:t>1/31/18</a:t>
+              <a:t>2/4/18</a:t>
             </a:fld>
             <a:endParaRPr lang="en-US"/>
           </a:p>
@@ -3005,7 +3005,7 @@
           <a:p>
             <a:fld id="{F61AD946-C20F-3040-BC42-02EB663A2BE6}" type="datetimeFigureOut">
               <a:rPr lang="en-US" smtClean="0"/>
-              <a:t>1/31/18</a:t>
+              <a:t>2/4/18</a:t>
             </a:fld>
             <a:endParaRPr lang="en-US"/>
           </a:p>
@@ -3412,20 +3412,23 @@
       </p:grpSpPr>
       <p:sp>
         <p:nvSpPr>
-          <p:cNvPr id="4" name="Rounded Rectangle 3"/>
+          <p:cNvPr id="35" name="Right Triangle 34"/>
           <p:cNvSpPr/>
           <p:nvPr/>
         </p:nvSpPr>
         <p:spPr>
           <a:xfrm>
-            <a:off x="5202250" y="3764458"/>
-            <a:ext cx="4238634" cy="2327564"/>
-          </a:xfrm>
-          <a:prstGeom prst="roundRect">
+            <a:off x="112095" y="2328144"/>
+            <a:ext cx="4819723" cy="4399012"/>
+          </a:xfrm>
+          <a:prstGeom prst="rtTriangle">
             <a:avLst/>
           </a:prstGeom>
           <a:solidFill>
-            <a:schemeClr val="accent5"/>
+            <a:schemeClr val="accent1">
+              <a:lumMod val="20000"/>
+              <a:lumOff val="80000"/>
+            </a:schemeClr>
           </a:solidFill>
         </p:spPr>
         <p:style>
@@ -3445,246 +3448,30 @@
           </a:fontRef>
         </p:style>
         <p:txBody>
-          <a:bodyPr rtlCol="0" anchor="t"/>
+          <a:bodyPr rtlCol="0" anchor="ctr"/>
           <a:lstStyle/>
           <a:p>
             <a:pPr algn="ctr"/>
-            <a:endParaRPr lang="en-US" b="1" dirty="0"/>
-          </a:p>
-        </p:txBody>
-      </p:sp>
-      <p:sp>
-        <p:nvSpPr>
-          <p:cNvPr id="6" name="TextBox 5"/>
-          <p:cNvSpPr txBox="1"/>
-          <p:nvPr/>
-        </p:nvSpPr>
-        <p:spPr>
-          <a:xfrm>
-            <a:off x="5308270" y="3903923"/>
-            <a:ext cx="2459584" cy="2031325"/>
-          </a:xfrm>
-          <a:prstGeom prst="rect">
-            <a:avLst/>
-          </a:prstGeom>
-          <a:noFill/>
-        </p:spPr>
-        <p:txBody>
-          <a:bodyPr wrap="none" rtlCol="0">
-            <a:spAutoFit/>
-          </a:bodyPr>
-          <a:lstStyle/>
-          <a:p>
-            <a:r>
-              <a:rPr lang="en-US" dirty="0" smtClean="0">
-                <a:solidFill>
-                  <a:schemeClr val="bg1"/>
-                </a:solidFill>
-              </a:rPr>
-              <a:t>- bag-</a:t>
-            </a:r>
-            <a:r>
-              <a:rPr lang="en-US" dirty="0" err="1" smtClean="0">
-                <a:solidFill>
-                  <a:schemeClr val="bg1"/>
-                </a:solidFill>
-              </a:rPr>
-              <a:t>info.txt</a:t>
-            </a:r>
-            <a:endParaRPr lang="en-US" dirty="0" smtClean="0">
-              <a:solidFill>
-                <a:schemeClr val="bg1"/>
-              </a:solidFill>
-            </a:endParaRPr>
-          </a:p>
-          <a:p>
-            <a:r>
-              <a:rPr lang="en-US" dirty="0" smtClean="0">
-                <a:solidFill>
-                  <a:schemeClr val="bg1"/>
-                </a:solidFill>
-              </a:rPr>
-              <a:t>- </a:t>
-            </a:r>
-            <a:r>
-              <a:rPr lang="en-US" dirty="0" err="1" smtClean="0">
-                <a:solidFill>
-                  <a:schemeClr val="bg1"/>
-                </a:solidFill>
-              </a:rPr>
-              <a:t>bagit.txt</a:t>
-            </a:r>
-            <a:endParaRPr lang="en-US" dirty="0" smtClean="0">
-              <a:solidFill>
-                <a:schemeClr val="bg1"/>
-              </a:solidFill>
-            </a:endParaRPr>
-          </a:p>
-          <a:p>
-            <a:r>
-              <a:rPr lang="en-US" dirty="0" smtClean="0">
-                <a:solidFill>
-                  <a:schemeClr val="bg1"/>
-                </a:solidFill>
-              </a:rPr>
-              <a:t>- </a:t>
-            </a:r>
-            <a:r>
-              <a:rPr lang="en-US" dirty="0" err="1" smtClean="0">
-                <a:solidFill>
-                  <a:schemeClr val="bg1"/>
-                </a:solidFill>
-              </a:rPr>
-              <a:t>fetch.txt</a:t>
-            </a:r>
-            <a:endParaRPr lang="en-US" dirty="0" smtClean="0">
-              <a:solidFill>
-                <a:schemeClr val="bg1"/>
-              </a:solidFill>
-            </a:endParaRPr>
-          </a:p>
-          <a:p>
-            <a:r>
-              <a:rPr lang="en-US" dirty="0" smtClean="0">
-                <a:solidFill>
-                  <a:schemeClr val="bg1"/>
-                </a:solidFill>
-              </a:rPr>
-              <a:t>- manifest-md5.txt</a:t>
-            </a:r>
-          </a:p>
-          <a:p>
-            <a:r>
-              <a:rPr lang="en-US" dirty="0" smtClean="0">
-                <a:solidFill>
-                  <a:schemeClr val="bg1"/>
-                </a:solidFill>
-              </a:rPr>
-              <a:t>- tagmanifest-md5.txt</a:t>
-            </a:r>
-          </a:p>
-          <a:p>
-            <a:r>
-              <a:rPr lang="en-US" dirty="0" smtClean="0">
-                <a:solidFill>
-                  <a:schemeClr val="bg1"/>
-                </a:solidFill>
-              </a:rPr>
-              <a:t>- manifest-sha256.txt</a:t>
-            </a:r>
-          </a:p>
-          <a:p>
-            <a:r>
-              <a:rPr lang="en-US" dirty="0" smtClean="0">
-                <a:solidFill>
-                  <a:schemeClr val="bg1"/>
-                </a:solidFill>
-              </a:rPr>
-              <a:t>- tagmanifest-sha256.txt</a:t>
-            </a:r>
-          </a:p>
-        </p:txBody>
-      </p:sp>
-      <p:sp>
-        <p:nvSpPr>
-          <p:cNvPr id="7" name="TextBox 6"/>
-          <p:cNvSpPr txBox="1"/>
-          <p:nvPr/>
-        </p:nvSpPr>
-        <p:spPr>
-          <a:xfrm>
-            <a:off x="7608395" y="3913404"/>
-            <a:ext cx="1832489" cy="1200329"/>
-          </a:xfrm>
-          <a:prstGeom prst="rect">
-            <a:avLst/>
-          </a:prstGeom>
-          <a:noFill/>
-        </p:spPr>
-        <p:txBody>
-          <a:bodyPr wrap="none" rtlCol="0">
-            <a:spAutoFit/>
-          </a:bodyPr>
-          <a:lstStyle/>
-          <a:p>
-            <a:r>
-              <a:rPr lang="en-US" dirty="0" smtClean="0">
-                <a:solidFill>
-                  <a:schemeClr val="bg1"/>
-                </a:solidFill>
-              </a:rPr>
-              <a:t>- data</a:t>
-            </a:r>
-          </a:p>
-          <a:p>
-            <a:r>
-              <a:rPr lang="en-US" dirty="0" smtClean="0">
-                <a:solidFill>
-                  <a:schemeClr val="bg1"/>
-                </a:solidFill>
-              </a:rPr>
-              <a:t>     - README</a:t>
-            </a:r>
-          </a:p>
-          <a:p>
-            <a:r>
-              <a:rPr lang="en-US" dirty="0" smtClean="0">
-                <a:solidFill>
-                  <a:schemeClr val="bg1"/>
-                </a:solidFill>
-              </a:rPr>
-              <a:t>- metadata</a:t>
-            </a:r>
-          </a:p>
-          <a:p>
-            <a:r>
-              <a:rPr lang="en-US" dirty="0">
-                <a:solidFill>
-                  <a:schemeClr val="bg1"/>
-                </a:solidFill>
-              </a:rPr>
-              <a:t> </a:t>
-            </a:r>
-            <a:r>
-              <a:rPr lang="en-US" dirty="0" smtClean="0">
-                <a:solidFill>
-                  <a:schemeClr val="bg1"/>
-                </a:solidFill>
-              </a:rPr>
-              <a:t>    - </a:t>
-            </a:r>
-            <a:r>
-              <a:rPr lang="en-US" dirty="0" err="1" smtClean="0">
-                <a:solidFill>
-                  <a:schemeClr val="bg1"/>
-                </a:solidFill>
-              </a:rPr>
-              <a:t>manifest.json</a:t>
-            </a:r>
-            <a:endParaRPr lang="en-US" dirty="0">
-              <a:solidFill>
-                <a:schemeClr val="bg1"/>
-              </a:solidFill>
-            </a:endParaRPr>
-          </a:p>
-        </p:txBody>
-      </p:sp>
-      <p:sp>
-        <p:nvSpPr>
-          <p:cNvPr id="8" name="Rounded Rectangle 7"/>
+            <a:endParaRPr lang="en-US" dirty="0"/>
+          </a:p>
+        </p:txBody>
+      </p:sp>
+      <p:sp>
+        <p:nvSpPr>
+          <p:cNvPr id="4" name="Rounded Rectangle 3"/>
           <p:cNvSpPr/>
           <p:nvPr/>
         </p:nvSpPr>
         <p:spPr>
           <a:xfrm>
-            <a:off x="652986" y="4774510"/>
-            <a:ext cx="1216100" cy="427900"/>
+            <a:off x="5425380" y="3069365"/>
+            <a:ext cx="4238634" cy="2327564"/>
           </a:xfrm>
           <a:prstGeom prst="roundRect">
             <a:avLst/>
           </a:prstGeom>
           <a:solidFill>
-            <a:schemeClr val="accent6"/>
+            <a:schemeClr val="accent5"/>
           </a:solidFill>
         </p:spPr>
         <p:style>
@@ -3708,27 +3495,235 @@
           <a:lstStyle/>
           <a:p>
             <a:pPr algn="ctr"/>
-            <a:r>
-              <a:rPr lang="en-US" dirty="0" err="1" smtClean="0"/>
-              <a:t>BDBag</a:t>
-            </a:r>
-            <a:r>
-              <a:rPr lang="en-US" dirty="0" smtClean="0"/>
-              <a:t> 1</a:t>
-            </a:r>
-            <a:endParaRPr lang="en-US" dirty="0"/>
-          </a:p>
-        </p:txBody>
-      </p:sp>
-      <p:sp>
-        <p:nvSpPr>
-          <p:cNvPr id="9" name="Rounded Rectangle 8"/>
+            <a:endParaRPr lang="en-US" b="1" dirty="0"/>
+          </a:p>
+        </p:txBody>
+      </p:sp>
+      <p:sp>
+        <p:nvSpPr>
+          <p:cNvPr id="6" name="TextBox 5"/>
+          <p:cNvSpPr txBox="1"/>
+          <p:nvPr/>
+        </p:nvSpPr>
+        <p:spPr>
+          <a:xfrm>
+            <a:off x="5531400" y="3208830"/>
+            <a:ext cx="2459584" cy="2031325"/>
+          </a:xfrm>
+          <a:prstGeom prst="rect">
+            <a:avLst/>
+          </a:prstGeom>
+          <a:noFill/>
+        </p:spPr>
+        <p:txBody>
+          <a:bodyPr wrap="none" rtlCol="0">
+            <a:spAutoFit/>
+          </a:bodyPr>
+          <a:lstStyle/>
+          <a:p>
+            <a:r>
+              <a:rPr lang="en-US" dirty="0" smtClean="0">
+                <a:solidFill>
+                  <a:schemeClr val="bg1"/>
+                </a:solidFill>
+              </a:rPr>
+              <a:t>- bag-</a:t>
+            </a:r>
+            <a:r>
+              <a:rPr lang="en-US" dirty="0" err="1" smtClean="0">
+                <a:solidFill>
+                  <a:schemeClr val="bg1"/>
+                </a:solidFill>
+              </a:rPr>
+              <a:t>info.txt</a:t>
+            </a:r>
+            <a:endParaRPr lang="en-US" dirty="0" smtClean="0">
+              <a:solidFill>
+                <a:schemeClr val="bg1"/>
+              </a:solidFill>
+            </a:endParaRPr>
+          </a:p>
+          <a:p>
+            <a:r>
+              <a:rPr lang="en-US" dirty="0" smtClean="0">
+                <a:solidFill>
+                  <a:schemeClr val="bg1"/>
+                </a:solidFill>
+              </a:rPr>
+              <a:t>- </a:t>
+            </a:r>
+            <a:r>
+              <a:rPr lang="en-US" dirty="0" err="1" smtClean="0">
+                <a:solidFill>
+                  <a:schemeClr val="bg1"/>
+                </a:solidFill>
+              </a:rPr>
+              <a:t>bagit.txt</a:t>
+            </a:r>
+            <a:endParaRPr lang="en-US" dirty="0" smtClean="0">
+              <a:solidFill>
+                <a:schemeClr val="bg1"/>
+              </a:solidFill>
+            </a:endParaRPr>
+          </a:p>
+          <a:p>
+            <a:r>
+              <a:rPr lang="en-US" dirty="0" smtClean="0">
+                <a:solidFill>
+                  <a:schemeClr val="bg1"/>
+                </a:solidFill>
+              </a:rPr>
+              <a:t>- </a:t>
+            </a:r>
+            <a:r>
+              <a:rPr lang="en-US" dirty="0" err="1" smtClean="0">
+                <a:solidFill>
+                  <a:schemeClr val="bg1"/>
+                </a:solidFill>
+              </a:rPr>
+              <a:t>fetch.txt</a:t>
+            </a:r>
+            <a:endParaRPr lang="en-US" dirty="0" smtClean="0">
+              <a:solidFill>
+                <a:schemeClr val="bg1"/>
+              </a:solidFill>
+            </a:endParaRPr>
+          </a:p>
+          <a:p>
+            <a:r>
+              <a:rPr lang="en-US" dirty="0" smtClean="0">
+                <a:solidFill>
+                  <a:schemeClr val="bg1"/>
+                </a:solidFill>
+              </a:rPr>
+              <a:t>- manifest-md5.txt</a:t>
+            </a:r>
+          </a:p>
+          <a:p>
+            <a:r>
+              <a:rPr lang="en-US" dirty="0" smtClean="0">
+                <a:solidFill>
+                  <a:schemeClr val="bg1"/>
+                </a:solidFill>
+              </a:rPr>
+              <a:t>- tagmanifest-md5.txt</a:t>
+            </a:r>
+          </a:p>
+          <a:p>
+            <a:r>
+              <a:rPr lang="en-US" dirty="0" smtClean="0">
+                <a:solidFill>
+                  <a:schemeClr val="bg1"/>
+                </a:solidFill>
+              </a:rPr>
+              <a:t>- manifest-sha256.txt</a:t>
+            </a:r>
+          </a:p>
+          <a:p>
+            <a:r>
+              <a:rPr lang="en-US" dirty="0" smtClean="0">
+                <a:solidFill>
+                  <a:schemeClr val="bg1"/>
+                </a:solidFill>
+              </a:rPr>
+              <a:t>- tagmanifest-sha256.txt</a:t>
+            </a:r>
+          </a:p>
+        </p:txBody>
+      </p:sp>
+      <p:sp>
+        <p:nvSpPr>
+          <p:cNvPr id="7" name="TextBox 6"/>
+          <p:cNvSpPr txBox="1"/>
+          <p:nvPr/>
+        </p:nvSpPr>
+        <p:spPr>
+          <a:xfrm>
+            <a:off x="7831525" y="3218311"/>
+            <a:ext cx="1832489" cy="1200329"/>
+          </a:xfrm>
+          <a:prstGeom prst="rect">
+            <a:avLst/>
+          </a:prstGeom>
+          <a:noFill/>
+        </p:spPr>
+        <p:txBody>
+          <a:bodyPr wrap="none" rtlCol="0">
+            <a:spAutoFit/>
+          </a:bodyPr>
+          <a:lstStyle/>
+          <a:p>
+            <a:r>
+              <a:rPr lang="en-US" dirty="0" smtClean="0">
+                <a:solidFill>
+                  <a:schemeClr val="bg1"/>
+                </a:solidFill>
+              </a:rPr>
+              <a:t>- data</a:t>
+            </a:r>
+          </a:p>
+          <a:p>
+            <a:r>
+              <a:rPr lang="en-US" dirty="0" smtClean="0">
+                <a:solidFill>
+                  <a:schemeClr val="bg1"/>
+                </a:solidFill>
+              </a:rPr>
+              <a:t>     - README</a:t>
+            </a:r>
+          </a:p>
+          <a:p>
+            <a:r>
+              <a:rPr lang="en-US" dirty="0" smtClean="0">
+                <a:solidFill>
+                  <a:schemeClr val="bg1"/>
+                </a:solidFill>
+              </a:rPr>
+              <a:t>- metadata</a:t>
+            </a:r>
+          </a:p>
+          <a:p>
+            <a:r>
+              <a:rPr lang="en-US" dirty="0">
+                <a:solidFill>
+                  <a:schemeClr val="bg1"/>
+                </a:solidFill>
+              </a:rPr>
+              <a:t> </a:t>
+            </a:r>
+            <a:r>
+              <a:rPr lang="en-US" dirty="0" smtClean="0">
+                <a:solidFill>
+                  <a:schemeClr val="bg1"/>
+                </a:solidFill>
+              </a:rPr>
+              <a:t>    - </a:t>
+            </a:r>
+            <a:r>
+              <a:rPr lang="en-US" dirty="0" err="1" smtClean="0">
+                <a:solidFill>
+                  <a:schemeClr val="bg1"/>
+                </a:solidFill>
+              </a:rPr>
+              <a:t>manifest.json</a:t>
+            </a:r>
+            <a:endParaRPr lang="en-US" dirty="0">
+              <a:solidFill>
+                <a:schemeClr val="bg1"/>
+              </a:solidFill>
+            </a:endParaRPr>
+          </a:p>
+        </p:txBody>
+      </p:sp>
+      <p:sp>
+        <p:nvSpPr>
+          <p:cNvPr id="8" name="Rounded Rectangle 7"/>
           <p:cNvSpPr/>
           <p:nvPr/>
         </p:nvSpPr>
         <p:spPr>
           <a:xfrm>
-            <a:off x="652986" y="5971563"/>
+            <a:off x="652986" y="4774510"/>
             <a:ext cx="1216100" cy="427900"/>
           </a:xfrm>
           <a:prstGeom prst="roundRect">
@@ -3765,7 +3760,7 @@
             </a:r>
             <a:r>
               <a:rPr lang="en-US" dirty="0" smtClean="0"/>
-              <a:t> N</a:t>
+              <a:t> 1</a:t>
             </a:r>
             <a:endParaRPr lang="en-US" dirty="0"/>
           </a:p>
@@ -3773,108 +3768,21 @@
       </p:sp>
       <p:sp>
         <p:nvSpPr>
-          <p:cNvPr id="10" name="TextBox 9"/>
-          <p:cNvSpPr txBox="1"/>
+          <p:cNvPr id="9" name="Rounded Rectangle 8"/>
+          <p:cNvSpPr/>
           <p:nvPr/>
         </p:nvSpPr>
         <p:spPr>
           <a:xfrm>
-            <a:off x="2814525" y="4375741"/>
-            <a:ext cx="1938351" cy="923330"/>
-          </a:xfrm>
-          <a:prstGeom prst="rect">
+            <a:off x="652986" y="5971563"/>
+            <a:ext cx="1216100" cy="427900"/>
+          </a:xfrm>
+          <a:prstGeom prst="roundRect">
             <a:avLst/>
           </a:prstGeom>
-          <a:noFill/>
-          <a:ln>
-            <a:solidFill>
-              <a:srgbClr val="FF0000"/>
-            </a:solidFill>
-          </a:ln>
-        </p:spPr>
-        <p:txBody>
-          <a:bodyPr wrap="none" rtlCol="0">
-            <a:spAutoFit/>
-          </a:bodyPr>
-          <a:lstStyle/>
-          <a:p>
-            <a:r>
-              <a:rPr lang="en-US" dirty="0" err="1" smtClean="0">
-                <a:solidFill>
-                  <a:srgbClr val="FF0000"/>
-                </a:solidFill>
-              </a:rPr>
-              <a:t>BDBag</a:t>
-            </a:r>
-            <a:r>
-              <a:rPr lang="en-US" dirty="0" smtClean="0">
-                <a:solidFill>
-                  <a:srgbClr val="FF0000"/>
-                </a:solidFill>
-              </a:rPr>
-              <a:t> 1: MINID-1</a:t>
-            </a:r>
-          </a:p>
-          <a:p>
-            <a:r>
-              <a:rPr lang="mr-IN" dirty="0" smtClean="0">
-                <a:solidFill>
-                  <a:srgbClr val="FF0000"/>
-                </a:solidFill>
-              </a:rPr>
-              <a:t>…</a:t>
-            </a:r>
-            <a:endParaRPr lang="en-US" dirty="0" smtClean="0">
-              <a:solidFill>
-                <a:srgbClr val="FF0000"/>
-              </a:solidFill>
-            </a:endParaRPr>
-          </a:p>
-          <a:p>
-            <a:r>
-              <a:rPr lang="en-US" dirty="0" err="1" smtClean="0">
-                <a:solidFill>
-                  <a:srgbClr val="FF0000"/>
-                </a:solidFill>
-              </a:rPr>
-              <a:t>BDBag</a:t>
-            </a:r>
-            <a:r>
-              <a:rPr lang="en-US" dirty="0" smtClean="0">
-                <a:solidFill>
-                  <a:srgbClr val="FF0000"/>
-                </a:solidFill>
-              </a:rPr>
-              <a:t> N: MINID-N</a:t>
-            </a:r>
-            <a:endParaRPr lang="en-US" dirty="0">
-              <a:solidFill>
-                <a:srgbClr val="FF0000"/>
-              </a:solidFill>
-            </a:endParaRPr>
-          </a:p>
-        </p:txBody>
-      </p:sp>
-      <p:sp>
-        <p:nvSpPr>
-          <p:cNvPr id="11" name="Oval 10"/>
-          <p:cNvSpPr/>
-          <p:nvPr/>
-        </p:nvSpPr>
-        <p:spPr>
-          <a:xfrm>
-            <a:off x="5308270" y="4525756"/>
-            <a:ext cx="1056904" cy="295919"/>
-          </a:xfrm>
-          <a:prstGeom prst="ellipse">
-            <a:avLst/>
-          </a:prstGeom>
-          <a:noFill/>
-          <a:ln w="28575">
-            <a:solidFill>
-              <a:srgbClr val="FF0000"/>
-            </a:solidFill>
-          </a:ln>
+          <a:solidFill>
+            <a:schemeClr val="accent6"/>
+          </a:solidFill>
         </p:spPr>
         <p:style>
           <a:lnRef idx="2">
@@ -3893,6 +3801,60 @@
           </a:fontRef>
         </p:style>
         <p:txBody>
+          <a:bodyPr rtlCol="0" anchor="t"/>
+          <a:lstStyle/>
+          <a:p>
+            <a:pPr algn="ctr"/>
+            <a:r>
+              <a:rPr lang="en-US" dirty="0" err="1" smtClean="0"/>
+              <a:t>BDBag</a:t>
+            </a:r>
+            <a:r>
+              <a:rPr lang="en-US" dirty="0" smtClean="0"/>
+              <a:t> N</a:t>
+            </a:r>
+            <a:endParaRPr lang="en-US" dirty="0"/>
+          </a:p>
+        </p:txBody>
+      </p:sp>
+      <p:sp>
+        <p:nvSpPr>
+          <p:cNvPr id="11" name="Oval 10"/>
+          <p:cNvSpPr/>
+          <p:nvPr/>
+        </p:nvSpPr>
+        <p:spPr>
+          <a:xfrm>
+            <a:off x="5531400" y="3830663"/>
+            <a:ext cx="1056904" cy="295919"/>
+          </a:xfrm>
+          <a:prstGeom prst="ellipse">
+            <a:avLst/>
+          </a:prstGeom>
+          <a:noFill/>
+          <a:ln w="28575">
+            <a:solidFill>
+              <a:srgbClr val="FF0000"/>
+            </a:solidFill>
+          </a:ln>
+        </p:spPr>
+        <p:style>
+          <a:lnRef idx="2">
+            <a:schemeClr val="accent1">
+              <a:shade val="50000"/>
+            </a:schemeClr>
+          </a:lnRef>
+          <a:fillRef idx="1">
+            <a:schemeClr val="accent1"/>
+          </a:fillRef>
+          <a:effectRef idx="0">
+            <a:schemeClr val="accent1"/>
+          </a:effectRef>
+          <a:fontRef idx="minor">
+            <a:schemeClr val="lt1"/>
+          </a:fontRef>
+        </p:style>
+        <p:txBody>
           <a:bodyPr rtlCol="0" anchor="ctr"/>
           <a:lstStyle/>
           <a:p>
@@ -3939,15 +3901,660 @@
         </p:nvCxnSpPr>
         <p:spPr>
           <a:xfrm flipH="1" flipV="1">
-            <a:off x="4734159" y="4661840"/>
+            <a:off x="4957289" y="3966747"/>
             <a:ext cx="548640" cy="1"/>
           </a:xfrm>
           <a:prstGeom prst="line">
             <a:avLst/>
           </a:prstGeom>
+          <a:ln w="19050">
+            <a:solidFill>
+              <a:srgbClr val="FF0000"/>
+            </a:solidFill>
+            <a:prstDash val="sysDash"/>
+          </a:ln>
+        </p:spPr>
+        <p:style>
+          <a:lnRef idx="1">
+            <a:schemeClr val="accent1"/>
+          </a:lnRef>
+          <a:fillRef idx="0">
+            <a:schemeClr val="accent1"/>
+          </a:fillRef>
+          <a:effectRef idx="0">
+            <a:schemeClr val="accent1"/>
+          </a:effectRef>
+          <a:fontRef idx="minor">
+            <a:schemeClr val="tx1"/>
+          </a:fontRef>
+        </p:style>
+      </p:cxnSp>
+      <p:sp>
+        <p:nvSpPr>
+          <p:cNvPr id="21" name="TextBox 20"/>
+          <p:cNvSpPr txBox="1"/>
+          <p:nvPr/>
+        </p:nvSpPr>
+        <p:spPr>
+          <a:xfrm>
+            <a:off x="10101104" y="3777585"/>
+            <a:ext cx="1714705" cy="923330"/>
+          </a:xfrm>
+          <a:prstGeom prst="rect">
+            <a:avLst/>
+          </a:prstGeom>
+          <a:noFill/>
           <a:ln>
             <a:solidFill>
               <a:srgbClr val="FF0000"/>
+            </a:solidFill>
+          </a:ln>
+        </p:spPr>
+        <p:txBody>
+          <a:bodyPr wrap="square" rtlCol="0">
+            <a:spAutoFit/>
+          </a:bodyPr>
+          <a:lstStyle/>
+          <a:p>
+            <a:r>
+              <a:rPr lang="en-US" dirty="0" smtClean="0">
+                <a:solidFill>
+                  <a:srgbClr val="FF0000"/>
+                </a:solidFill>
+              </a:rPr>
+              <a:t>Research </a:t>
+            </a:r>
+            <a:r>
+              <a:rPr lang="en-US" dirty="0" smtClean="0">
+                <a:solidFill>
+                  <a:srgbClr val="FF0000"/>
+                </a:solidFill>
+              </a:rPr>
+              <a:t>Object </a:t>
+            </a:r>
+            <a:r>
+              <a:rPr lang="en-US" dirty="0" smtClean="0">
+                <a:solidFill>
+                  <a:srgbClr val="FF0000"/>
+                </a:solidFill>
+              </a:rPr>
+              <a:t>describing </a:t>
+            </a:r>
+            <a:r>
+              <a:rPr lang="en-US" dirty="0" err="1" smtClean="0">
+                <a:solidFill>
+                  <a:srgbClr val="FF0000"/>
+                </a:solidFill>
+              </a:rPr>
+              <a:t>BDBag</a:t>
+            </a:r>
+            <a:r>
+              <a:rPr lang="en-US" dirty="0" smtClean="0">
+                <a:solidFill>
+                  <a:srgbClr val="FF0000"/>
+                </a:solidFill>
+              </a:rPr>
+              <a:t> 1..N</a:t>
+            </a:r>
+            <a:endParaRPr lang="en-US" dirty="0">
+              <a:solidFill>
+                <a:srgbClr val="FF0000"/>
+              </a:solidFill>
+            </a:endParaRPr>
+          </a:p>
+        </p:txBody>
+      </p:sp>
+      <p:sp>
+        <p:nvSpPr>
+          <p:cNvPr id="22" name="Oval 21"/>
+          <p:cNvSpPr/>
+          <p:nvPr/>
+        </p:nvSpPr>
+        <p:spPr>
+          <a:xfrm>
+            <a:off x="8097004" y="4076532"/>
+            <a:ext cx="1567009" cy="342108"/>
+          </a:xfrm>
+          <a:prstGeom prst="ellipse">
+            <a:avLst/>
+          </a:prstGeom>
+          <a:noFill/>
+          <a:ln w="28575">
+            <a:solidFill>
+              <a:srgbClr val="FF0000"/>
+            </a:solidFill>
+          </a:ln>
+        </p:spPr>
+        <p:style>
+          <a:lnRef idx="2">
+            <a:schemeClr val="accent1">
+              <a:shade val="50000"/>
+            </a:schemeClr>
+          </a:lnRef>
+          <a:fillRef idx="1">
+            <a:schemeClr val="accent1"/>
+          </a:fillRef>
+          <a:effectRef idx="0">
+            <a:schemeClr val="accent1"/>
+          </a:effectRef>
+          <a:fontRef idx="minor">
+            <a:schemeClr val="lt1"/>
+          </a:fontRef>
+        </p:style>
+        <p:txBody>
+          <a:bodyPr rtlCol="0" anchor="ctr"/>
+          <a:lstStyle/>
+          <a:p>
+            <a:pPr algn="ctr"/>
+            <a:endParaRPr lang="en-US"/>
+          </a:p>
+        </p:txBody>
+      </p:sp>
+      <p:cxnSp>
+        <p:nvCxnSpPr>
+          <p:cNvPr id="23" name="Straight Connector 22"/>
+          <p:cNvCxnSpPr>
+            <a:stCxn id="21" idx="1"/>
+          </p:cNvCxnSpPr>
+          <p:nvPr/>
+        </p:nvCxnSpPr>
+        <p:spPr>
+          <a:xfrm flipH="1">
+            <a:off x="9669499" y="4239250"/>
+            <a:ext cx="431605" cy="8650"/>
+          </a:xfrm>
+          <a:prstGeom prst="line">
+            <a:avLst/>
+          </a:prstGeom>
+          <a:ln w="19050">
+            <a:solidFill>
+              <a:srgbClr val="FF0000"/>
+            </a:solidFill>
+            <a:prstDash val="sysDash"/>
+          </a:ln>
+        </p:spPr>
+        <p:style>
+          <a:lnRef idx="1">
+            <a:schemeClr val="accent1"/>
+          </a:lnRef>
+          <a:fillRef idx="0">
+            <a:schemeClr val="accent1"/>
+          </a:fillRef>
+          <a:effectRef idx="0">
+            <a:schemeClr val="accent1"/>
+          </a:effectRef>
+          <a:fontRef idx="minor">
+            <a:schemeClr val="tx1"/>
+          </a:fontRef>
+        </p:style>
+      </p:cxnSp>
+      <p:sp>
+        <p:nvSpPr>
+          <p:cNvPr id="24" name="TextBox 23"/>
+          <p:cNvSpPr txBox="1"/>
+          <p:nvPr/>
+        </p:nvSpPr>
+        <p:spPr>
+          <a:xfrm>
+            <a:off x="139613" y="16344"/>
+            <a:ext cx="5144742" cy="707886"/>
+          </a:xfrm>
+          <a:prstGeom prst="rect">
+            <a:avLst/>
+          </a:prstGeom>
+          <a:noFill/>
+        </p:spPr>
+        <p:txBody>
+          <a:bodyPr wrap="none" rtlCol="0">
+            <a:spAutoFit/>
+          </a:bodyPr>
+          <a:lstStyle/>
+          <a:p>
+            <a:r>
+              <a:rPr lang="en-US" sz="2000" dirty="0" smtClean="0"/>
+              <a:t># The command used to create a new bag:</a:t>
+            </a:r>
+            <a:r>
+              <a:rPr lang="en-US" sz="2000" i="1" dirty="0" smtClean="0"/>
+              <a:t/>
+            </a:r>
+            <a:br>
+              <a:rPr lang="en-US" sz="2000" i="1" dirty="0" smtClean="0"/>
+            </a:br>
+            <a:r>
+              <a:rPr lang="en-US" sz="2000" b="1" dirty="0" smtClean="0"/>
+              <a:t>python </a:t>
+            </a:r>
+            <a:r>
+              <a:rPr lang="en-US" sz="2000" b="1" dirty="0" err="1" smtClean="0"/>
+              <a:t>bagofbags.py</a:t>
+            </a:r>
+            <a:r>
+              <a:rPr lang="en-US" sz="2000" b="1" dirty="0" smtClean="0"/>
+              <a:t> -m </a:t>
+            </a:r>
+            <a:r>
+              <a:rPr lang="en-US" sz="2000" b="1" dirty="0" smtClean="0">
+                <a:solidFill>
+                  <a:schemeClr val="accent2"/>
+                </a:solidFill>
+              </a:rPr>
+              <a:t>MYMINIDS</a:t>
+            </a:r>
+            <a:r>
+              <a:rPr lang="en-US" sz="2000" b="1" dirty="0" smtClean="0"/>
+              <a:t> -b </a:t>
+            </a:r>
+            <a:r>
+              <a:rPr lang="en-US" sz="2000" b="1" dirty="0" smtClean="0">
+                <a:solidFill>
+                  <a:schemeClr val="accent5"/>
+                </a:solidFill>
+              </a:rPr>
+              <a:t>MYBAG</a:t>
+            </a:r>
+            <a:endParaRPr lang="en-US" sz="2000" b="1" dirty="0">
+              <a:solidFill>
+                <a:schemeClr val="accent5"/>
+              </a:solidFill>
+            </a:endParaRPr>
+          </a:p>
+        </p:txBody>
+      </p:sp>
+      <p:sp>
+        <p:nvSpPr>
+          <p:cNvPr id="25" name="TextBox 24"/>
+          <p:cNvSpPr txBox="1"/>
+          <p:nvPr/>
+        </p:nvSpPr>
+        <p:spPr>
+          <a:xfrm>
+            <a:off x="6694181" y="2720390"/>
+            <a:ext cx="918841" cy="369332"/>
+          </a:xfrm>
+          <a:prstGeom prst="rect">
+            <a:avLst/>
+          </a:prstGeom>
+          <a:noFill/>
+        </p:spPr>
+        <p:txBody>
+          <a:bodyPr wrap="none" rtlCol="0">
+            <a:spAutoFit/>
+          </a:bodyPr>
+          <a:lstStyle/>
+          <a:p>
+            <a:r>
+              <a:rPr lang="en-US" b="1" smtClean="0">
+                <a:solidFill>
+                  <a:schemeClr val="accent5"/>
+                </a:solidFill>
+              </a:rPr>
+              <a:t>MYBAG</a:t>
+            </a:r>
+            <a:endParaRPr lang="en-US" b="1" dirty="0">
+              <a:solidFill>
+                <a:schemeClr val="accent5"/>
+              </a:solidFill>
+            </a:endParaRPr>
+          </a:p>
+        </p:txBody>
+      </p:sp>
+      <p:sp>
+        <p:nvSpPr>
+          <p:cNvPr id="26" name="TextBox 25"/>
+          <p:cNvSpPr txBox="1"/>
+          <p:nvPr/>
+        </p:nvSpPr>
+        <p:spPr>
+          <a:xfrm>
+            <a:off x="1785830" y="1400774"/>
+            <a:ext cx="1008609" cy="923330"/>
+          </a:xfrm>
+          <a:prstGeom prst="rect">
+            <a:avLst/>
+          </a:prstGeom>
+          <a:noFill/>
+          <a:ln>
+            <a:solidFill>
+              <a:schemeClr val="accent2"/>
+            </a:solidFill>
+          </a:ln>
+        </p:spPr>
+        <p:txBody>
+          <a:bodyPr wrap="none" rtlCol="0">
+            <a:spAutoFit/>
+          </a:bodyPr>
+          <a:lstStyle/>
+          <a:p>
+            <a:r>
+              <a:rPr lang="en-US" dirty="0" smtClean="0">
+                <a:solidFill>
+                  <a:schemeClr val="accent2"/>
+                </a:solidFill>
+              </a:rPr>
+              <a:t>MINID-1</a:t>
+            </a:r>
+            <a:endParaRPr lang="en-US" dirty="0" smtClean="0">
+              <a:solidFill>
+                <a:schemeClr val="accent2"/>
+              </a:solidFill>
+            </a:endParaRPr>
+          </a:p>
+          <a:p>
+            <a:r>
+              <a:rPr lang="mr-IN" dirty="0" smtClean="0">
+                <a:solidFill>
+                  <a:schemeClr val="accent2"/>
+                </a:solidFill>
+              </a:rPr>
+              <a:t>…</a:t>
+            </a:r>
+            <a:endParaRPr lang="en-US" dirty="0" smtClean="0">
+              <a:solidFill>
+                <a:schemeClr val="accent2"/>
+              </a:solidFill>
+            </a:endParaRPr>
+          </a:p>
+          <a:p>
+            <a:r>
+              <a:rPr lang="en-US" dirty="0" smtClean="0">
+                <a:solidFill>
+                  <a:schemeClr val="accent2"/>
+                </a:solidFill>
+              </a:rPr>
+              <a:t>MINID-N</a:t>
+            </a:r>
+            <a:endParaRPr lang="en-US" dirty="0">
+              <a:solidFill>
+                <a:schemeClr val="accent2"/>
+              </a:solidFill>
+            </a:endParaRPr>
+          </a:p>
+        </p:txBody>
+      </p:sp>
+      <p:sp>
+        <p:nvSpPr>
+          <p:cNvPr id="27" name="TextBox 26"/>
+          <p:cNvSpPr txBox="1"/>
+          <p:nvPr/>
+        </p:nvSpPr>
+        <p:spPr>
+          <a:xfrm>
+            <a:off x="1691373" y="1050859"/>
+            <a:ext cx="1246411" cy="369332"/>
+          </a:xfrm>
+          <a:prstGeom prst="rect">
+            <a:avLst/>
+          </a:prstGeom>
+          <a:noFill/>
+        </p:spPr>
+        <p:txBody>
+          <a:bodyPr wrap="square" rtlCol="0">
+            <a:spAutoFit/>
+          </a:bodyPr>
+          <a:lstStyle/>
+          <a:p>
+            <a:r>
+              <a:rPr lang="en-US" b="1" smtClean="0">
+                <a:solidFill>
+                  <a:schemeClr val="accent2"/>
+                </a:solidFill>
+              </a:rPr>
+              <a:t>MYMINIDS</a:t>
+            </a:r>
+            <a:endParaRPr lang="en-US" b="1" dirty="0">
+              <a:solidFill>
+                <a:schemeClr val="accent2"/>
+              </a:solidFill>
+            </a:endParaRPr>
+          </a:p>
+        </p:txBody>
+      </p:sp>
+      <p:cxnSp>
+        <p:nvCxnSpPr>
+          <p:cNvPr id="32" name="Straight Arrow Connector 31"/>
+          <p:cNvCxnSpPr/>
+          <p:nvPr/>
+        </p:nvCxnSpPr>
+        <p:spPr>
+          <a:xfrm flipH="1">
+            <a:off x="2732200" y="664131"/>
+            <a:ext cx="305456" cy="399099"/>
+          </a:xfrm>
+          <a:prstGeom prst="straightConnector1">
+            <a:avLst/>
+          </a:prstGeom>
+          <a:ln w="19050">
+            <a:solidFill>
+              <a:schemeClr val="accent2"/>
+            </a:solidFill>
+            <a:tailEnd type="triangle"/>
+          </a:ln>
+        </p:spPr>
+        <p:style>
+          <a:lnRef idx="1">
+            <a:schemeClr val="accent1"/>
+          </a:lnRef>
+          <a:fillRef idx="0">
+            <a:schemeClr val="accent1"/>
+          </a:fillRef>
+          <a:effectRef idx="0">
+            <a:schemeClr val="accent1"/>
+          </a:effectRef>
+          <a:fontRef idx="minor">
+            <a:schemeClr val="tx1"/>
+          </a:fontRef>
+        </p:style>
+      </p:cxnSp>
+      <p:cxnSp>
+        <p:nvCxnSpPr>
+          <p:cNvPr id="33" name="Straight Arrow Connector 32"/>
+          <p:cNvCxnSpPr/>
+          <p:nvPr/>
+        </p:nvCxnSpPr>
+        <p:spPr>
+          <a:xfrm>
+            <a:off x="5180996" y="680500"/>
+            <a:ext cx="1777094" cy="2026553"/>
+          </a:xfrm>
+          <a:prstGeom prst="straightConnector1">
+            <a:avLst/>
+          </a:prstGeom>
+          <a:ln w="19050">
+            <a:solidFill>
+              <a:schemeClr val="accent5"/>
+            </a:solidFill>
+            <a:tailEnd type="triangle"/>
+          </a:ln>
+        </p:spPr>
+        <p:style>
+          <a:lnRef idx="1">
+            <a:schemeClr val="accent1"/>
+          </a:lnRef>
+          <a:fillRef idx="0">
+            <a:schemeClr val="accent1"/>
+          </a:fillRef>
+          <a:effectRef idx="0">
+            <a:schemeClr val="accent1"/>
+          </a:effectRef>
+          <a:fontRef idx="minor">
+            <a:schemeClr val="tx1"/>
+          </a:fontRef>
+        </p:style>
+      </p:cxnSp>
+      <p:sp>
+        <p:nvSpPr>
+          <p:cNvPr id="39" name="TextBox 38"/>
+          <p:cNvSpPr txBox="1"/>
+          <p:nvPr/>
+        </p:nvSpPr>
+        <p:spPr>
+          <a:xfrm>
+            <a:off x="109960" y="3301384"/>
+            <a:ext cx="1753641" cy="1200329"/>
+          </a:xfrm>
+          <a:prstGeom prst="rect">
+            <a:avLst/>
+          </a:prstGeom>
+          <a:noFill/>
+        </p:spPr>
+        <p:txBody>
+          <a:bodyPr wrap="square" rtlCol="0">
+            <a:spAutoFit/>
+          </a:bodyPr>
+          <a:lstStyle/>
+          <a:p>
+            <a:r>
+              <a:rPr lang="en-US" dirty="0" smtClean="0"/>
+              <a:t>The </a:t>
+            </a:r>
+            <a:r>
+              <a:rPr lang="en-US" dirty="0" err="1" smtClean="0"/>
+              <a:t>BDBags</a:t>
+            </a:r>
+            <a:r>
+              <a:rPr lang="en-US" dirty="0" smtClean="0"/>
+              <a:t/>
+            </a:r>
+            <a:br>
+              <a:rPr lang="en-US" dirty="0" smtClean="0"/>
+            </a:br>
+            <a:r>
+              <a:rPr lang="en-US" dirty="0" smtClean="0"/>
+              <a:t>referenced by MYBAG can be  anywhere</a:t>
+            </a:r>
+            <a:endParaRPr lang="en-US" b="1" dirty="0">
+              <a:solidFill>
+                <a:schemeClr val="accent2"/>
+              </a:solidFill>
+            </a:endParaRPr>
+          </a:p>
+        </p:txBody>
+      </p:sp>
+      <p:sp>
+        <p:nvSpPr>
+          <p:cNvPr id="10" name="TextBox 9"/>
+          <p:cNvSpPr txBox="1"/>
+          <p:nvPr/>
+        </p:nvSpPr>
+        <p:spPr>
+          <a:xfrm>
+            <a:off x="3037655" y="3680648"/>
+            <a:ext cx="2048702" cy="923330"/>
+          </a:xfrm>
+          <a:prstGeom prst="rect">
+            <a:avLst/>
+          </a:prstGeom>
+          <a:solidFill>
+            <a:schemeClr val="bg1"/>
+          </a:solidFill>
+          <a:ln>
+            <a:solidFill>
+              <a:srgbClr val="FF0000"/>
+            </a:solidFill>
+          </a:ln>
+        </p:spPr>
+        <p:txBody>
+          <a:bodyPr wrap="none" rtlCol="0">
+            <a:spAutoFit/>
+          </a:bodyPr>
+          <a:lstStyle/>
+          <a:p>
+            <a:r>
+              <a:rPr lang="en-US" dirty="0">
+                <a:solidFill>
+                  <a:srgbClr val="FF0000"/>
+                </a:solidFill>
+              </a:rPr>
+              <a:t>MINID-1 size1 f</a:t>
+            </a:r>
+            <a:r>
+              <a:rPr lang="en-US" dirty="0" smtClean="0">
+                <a:solidFill>
+                  <a:srgbClr val="FF0000"/>
+                </a:solidFill>
+              </a:rPr>
+              <a:t>ile1</a:t>
+            </a:r>
+            <a:endParaRPr lang="en-US" dirty="0" smtClean="0">
+              <a:solidFill>
+                <a:srgbClr val="FF0000"/>
+              </a:solidFill>
+            </a:endParaRPr>
+          </a:p>
+          <a:p>
+            <a:r>
+              <a:rPr lang="mr-IN" dirty="0" smtClean="0">
+                <a:solidFill>
+                  <a:srgbClr val="FF0000"/>
+                </a:solidFill>
+              </a:rPr>
+              <a:t>…</a:t>
+            </a:r>
+            <a:endParaRPr lang="en-US" dirty="0" smtClean="0">
+              <a:solidFill>
+                <a:srgbClr val="FF0000"/>
+              </a:solidFill>
+            </a:endParaRPr>
+          </a:p>
+          <a:p>
+            <a:r>
+              <a:rPr lang="en-US" dirty="0" smtClean="0">
+                <a:solidFill>
+                  <a:srgbClr val="FF0000"/>
+                </a:solidFill>
+              </a:rPr>
+              <a:t>MINID-N </a:t>
+            </a:r>
+            <a:r>
+              <a:rPr lang="en-US" dirty="0" err="1" smtClean="0">
+                <a:solidFill>
+                  <a:srgbClr val="FF0000"/>
+                </a:solidFill>
+              </a:rPr>
+              <a:t>sizeN</a:t>
+            </a:r>
+            <a:r>
+              <a:rPr lang="en-US" dirty="0" smtClean="0">
+                <a:solidFill>
+                  <a:srgbClr val="FF0000"/>
+                </a:solidFill>
+              </a:rPr>
+              <a:t> </a:t>
+            </a:r>
+            <a:r>
+              <a:rPr lang="en-US" dirty="0" err="1" smtClean="0">
+                <a:solidFill>
+                  <a:srgbClr val="FF0000"/>
+                </a:solidFill>
+              </a:rPr>
+              <a:t>fileN</a:t>
+            </a:r>
+            <a:endParaRPr lang="en-US" dirty="0">
+              <a:solidFill>
+                <a:srgbClr val="FF0000"/>
+              </a:solidFill>
+            </a:endParaRPr>
+          </a:p>
+        </p:txBody>
+      </p:sp>
+      <p:cxnSp>
+        <p:nvCxnSpPr>
+          <p:cNvPr id="19" name="Straight Connector 18"/>
+          <p:cNvCxnSpPr/>
+          <p:nvPr/>
+        </p:nvCxnSpPr>
+        <p:spPr>
+          <a:xfrm>
+            <a:off x="112095" y="2299227"/>
+            <a:ext cx="4760445" cy="4344641"/>
+          </a:xfrm>
+          <a:prstGeom prst="line">
+            <a:avLst/>
+          </a:prstGeom>
+          <a:ln w="38100">
+            <a:solidFill>
+              <a:schemeClr val="tx1"/>
             </a:solidFill>
           </a:ln>
         </p:spPr>
@@ -3976,13 +4583,16 @@
         </p:nvCxnSpPr>
         <p:spPr>
           <a:xfrm flipH="1">
-            <a:off x="1869086" y="4688378"/>
-            <a:ext cx="945439" cy="300082"/>
+            <a:off x="1869086" y="3903141"/>
+            <a:ext cx="1242858" cy="1085319"/>
           </a:xfrm>
           <a:prstGeom prst="straightConnector1">
             <a:avLst/>
           </a:prstGeom>
-          <a:ln>
+          <a:ln w="19050">
+            <a:solidFill>
+              <a:srgbClr val="FF0000"/>
+            </a:solidFill>
             <a:tailEnd type="triangle"/>
           </a:ln>
         </p:spPr>
@@ -4011,13 +4621,16 @@
         </p:nvCxnSpPr>
         <p:spPr>
           <a:xfrm flipH="1">
-            <a:off x="1869086" y="5132135"/>
-            <a:ext cx="945439" cy="1053378"/>
+            <a:off x="1869086" y="4502872"/>
+            <a:ext cx="1242858" cy="1682641"/>
           </a:xfrm>
           <a:prstGeom prst="straightConnector1">
             <a:avLst/>
           </a:prstGeom>
-          <a:ln>
+          <a:ln w="19050">
+            <a:solidFill>
+              <a:srgbClr val="FF0000"/>
+            </a:solidFill>
             <a:tailEnd type="triangle"/>
           </a:ln>
         </p:spPr>
@@ -4038,24 +4651,49 @@
       </p:cxnSp>
       <p:sp>
         <p:nvSpPr>
-          <p:cNvPr id="21" name="TextBox 20"/>
+          <p:cNvPr id="40" name="TextBox 39"/>
           <p:cNvSpPr txBox="1"/>
           <p:nvPr/>
         </p:nvSpPr>
         <p:spPr>
           <a:xfrm>
-            <a:off x="9877974" y="4472678"/>
-            <a:ext cx="1714705" cy="923330"/>
+            <a:off x="2165226" y="6052998"/>
+            <a:ext cx="1952714" cy="369332"/>
           </a:xfrm>
           <a:prstGeom prst="rect">
             <a:avLst/>
           </a:prstGeom>
           <a:noFill/>
-          <a:ln>
-            <a:solidFill>
-              <a:srgbClr val="FF0000"/>
-            </a:solidFill>
-          </a:ln>
+        </p:spPr>
+        <p:txBody>
+          <a:bodyPr wrap="none" rtlCol="0">
+            <a:spAutoFit/>
+          </a:bodyPr>
+          <a:lstStyle/>
+          <a:p>
+            <a:r>
+              <a:rPr lang="en-US" smtClean="0"/>
+              <a:t>(Can be anywhere)</a:t>
+            </a:r>
+            <a:endParaRPr lang="en-US"/>
+          </a:p>
+        </p:txBody>
+      </p:sp>
+      <p:sp>
+        <p:nvSpPr>
+          <p:cNvPr id="43" name="TextBox 42"/>
+          <p:cNvSpPr txBox="1"/>
+          <p:nvPr/>
+        </p:nvSpPr>
+        <p:spPr>
+          <a:xfrm>
+            <a:off x="1154050" y="2353021"/>
+            <a:ext cx="2735811" cy="646331"/>
+          </a:xfrm>
+          <a:prstGeom prst="rect">
+            <a:avLst/>
+          </a:prstGeom>
+          <a:noFill/>
         </p:spPr>
         <p:txBody>
           <a:bodyPr wrap="square" rtlCol="0">
@@ -4064,32 +4702,36 @@
           <a:lstStyle/>
           <a:p>
             <a:r>
-              <a:rPr lang="en-US" dirty="0" smtClean="0">
-                <a:solidFill>
-                  <a:srgbClr val="FF0000"/>
-                </a:solidFill>
-              </a:rPr>
-              <a:t>Research object describing </a:t>
-            </a:r>
-            <a:r>
-              <a:rPr lang="en-US" dirty="0" err="1" smtClean="0">
-                <a:solidFill>
-                  <a:srgbClr val="FF0000"/>
-                </a:solidFill>
-              </a:rPr>
-              <a:t>BDBag</a:t>
-            </a:r>
-            <a:r>
-              <a:rPr lang="en-US" dirty="0" smtClean="0">
-                <a:solidFill>
-                  <a:srgbClr val="FF0000"/>
-                </a:solidFill>
-              </a:rPr>
-              <a:t> 1..N</a:t>
-            </a:r>
-            <a:endParaRPr lang="en-US" dirty="0">
+              <a:rPr lang="en-US" dirty="0" smtClean="0"/>
+              <a:t>Input file </a:t>
+            </a:r>
+            <a:r>
+              <a:rPr lang="en-US" dirty="0" smtClean="0"/>
+              <a:t>listing the </a:t>
+            </a:r>
+            <a:r>
+              <a:rPr lang="en-US" dirty="0" err="1" smtClean="0"/>
+              <a:t>M</a:t>
+            </a:r>
+            <a:r>
+              <a:rPr lang="en-US" dirty="0" err="1" smtClean="0"/>
+              <a:t>inids</a:t>
+            </a:r>
+            <a:r>
+              <a:rPr lang="en-US" dirty="0" smtClean="0"/>
+              <a:t> </a:t>
+            </a:r>
+            <a:r>
+              <a:rPr lang="en-US" dirty="0" smtClean="0"/>
+              <a:t>to </a:t>
+            </a:r>
+            <a:r>
+              <a:rPr lang="en-US" dirty="0" smtClean="0"/>
+              <a:t>be included in MYBAG</a:t>
+            </a:r>
+            <a:endParaRPr lang="en-US" b="1" dirty="0">
               <a:solidFill>
-                <a:srgbClr val="FF0000"/>
+                <a:schemeClr val="accent2"/>
               </a:solidFill>
             </a:endParaRPr>
           </a:p>
@@ -4097,14 +4739,83 @@
       </p:sp>
       <p:sp>
         <p:nvSpPr>
-          <p:cNvPr id="22" name="Oval 21"/>
+          <p:cNvPr id="51" name="Rectangle 50"/>
           <p:cNvSpPr/>
           <p:nvPr/>
         </p:nvSpPr>
         <p:spPr>
           <a:xfrm>
-            <a:off x="7873874" y="4771625"/>
-            <a:ext cx="1567009" cy="342108"/>
+            <a:off x="5425380" y="5445533"/>
+            <a:ext cx="6281841" cy="1200329"/>
+          </a:xfrm>
+          <a:prstGeom prst="rect">
+            <a:avLst/>
+          </a:prstGeom>
+        </p:spPr>
+        <p:txBody>
+          <a:bodyPr wrap="square">
+            <a:spAutoFit/>
+          </a:bodyPr>
+          <a:lstStyle/>
+          <a:p>
+            <a:r>
+              <a:rPr lang="en-US" dirty="0"/>
+              <a:t>The new </a:t>
+            </a:r>
+            <a:r>
+              <a:rPr lang="en-US" dirty="0" err="1" smtClean="0"/>
+              <a:t>BDBag</a:t>
+            </a:r>
+            <a:r>
+              <a:rPr lang="en-US" dirty="0" smtClean="0"/>
+              <a:t>, with details on several files that it contains. The new </a:t>
+            </a:r>
+            <a:r>
+              <a:rPr lang="en-US" dirty="0" err="1" smtClean="0"/>
+              <a:t>BDBag</a:t>
+            </a:r>
+            <a:r>
+              <a:rPr lang="en-US" dirty="0" smtClean="0"/>
+              <a:t> is created on my computer; the </a:t>
+            </a:r>
+            <a:r>
+              <a:rPr lang="en-US" dirty="0" err="1" smtClean="0"/>
+              <a:t>fetch.txt</a:t>
+            </a:r>
+            <a:r>
+              <a:rPr lang="en-US" dirty="0" smtClean="0"/>
+              <a:t> files refers to the included </a:t>
+            </a:r>
+            <a:r>
+              <a:rPr lang="en-US" dirty="0" err="1" smtClean="0"/>
+              <a:t>BDBags</a:t>
+            </a:r>
+            <a:r>
+              <a:rPr lang="en-US" dirty="0" smtClean="0"/>
+              <a:t> by </a:t>
+            </a:r>
+            <a:r>
+              <a:rPr lang="en-US" dirty="0" err="1" smtClean="0"/>
+              <a:t>Minids</a:t>
+            </a:r>
+            <a:r>
+              <a:rPr lang="en-US" dirty="0" smtClean="0"/>
+              <a:t>, which may reference e.g. a remote cloud or data store</a:t>
+            </a:r>
+            <a:endParaRPr lang="en-US" dirty="0"/>
+          </a:p>
+        </p:txBody>
+      </p:sp>
+      <p:sp>
+        <p:nvSpPr>
+          <p:cNvPr id="52" name="Oval 51"/>
+          <p:cNvSpPr/>
+          <p:nvPr/>
+        </p:nvSpPr>
+        <p:spPr>
+          <a:xfrm>
+            <a:off x="8177484" y="3488288"/>
+            <a:ext cx="1056722" cy="342108"/>
           </a:xfrm>
           <a:prstGeom prst="ellipse">
             <a:avLst/>
@@ -4141,26 +4852,94 @@
           </a:p>
         </p:txBody>
       </p:sp>
-      <p:cxnSp>
-        <p:nvCxnSpPr>
-          <p:cNvPr id="23" name="Straight Connector 22"/>
-          <p:cNvCxnSpPr>
-            <a:stCxn id="21" idx="1"/>
-          </p:cNvCxnSpPr>
+      <p:sp>
+        <p:nvSpPr>
+          <p:cNvPr id="53" name="TextBox 52"/>
+          <p:cNvSpPr txBox="1"/>
           <p:nvPr/>
-        </p:nvCxnSpPr>
-        <p:spPr>
-          <a:xfrm flipH="1">
-            <a:off x="9446369" y="4934343"/>
-            <a:ext cx="431605" cy="8650"/>
-          </a:xfrm>
-          <a:prstGeom prst="line">
+        </p:nvSpPr>
+        <p:spPr>
+          <a:xfrm>
+            <a:off x="9885301" y="2401240"/>
+            <a:ext cx="1714705" cy="646331"/>
+          </a:xfrm>
+          <a:prstGeom prst="rect">
             <a:avLst/>
           </a:prstGeom>
+          <a:noFill/>
           <a:ln>
             <a:solidFill>
               <a:srgbClr val="FF0000"/>
             </a:solidFill>
+          </a:ln>
+        </p:spPr>
+        <p:txBody>
+          <a:bodyPr wrap="square" rtlCol="0">
+            <a:spAutoFit/>
+          </a:bodyPr>
+          <a:lstStyle/>
+          <a:p>
+            <a:r>
+              <a:rPr lang="en-US" dirty="0" smtClean="0">
+                <a:solidFill>
+                  <a:srgbClr val="FF0000"/>
+                </a:solidFill>
+              </a:rPr>
+              <a:t>Text description of </a:t>
+            </a:r>
+            <a:r>
+              <a:rPr lang="en-US" dirty="0" err="1" smtClean="0">
+                <a:solidFill>
+                  <a:srgbClr val="FF0000"/>
+                </a:solidFill>
+              </a:rPr>
+              <a:t>BDBag</a:t>
+            </a:r>
+            <a:r>
+              <a:rPr lang="en-US" dirty="0" smtClean="0">
+                <a:solidFill>
+                  <a:srgbClr val="FF0000"/>
+                </a:solidFill>
+              </a:rPr>
+              <a:t> </a:t>
+            </a:r>
+            <a:r>
+              <a:rPr lang="en-US" dirty="0" smtClean="0">
+                <a:solidFill>
+                  <a:srgbClr val="FF0000"/>
+                </a:solidFill>
+              </a:rPr>
+              <a:t>1..N</a:t>
+            </a:r>
+            <a:endParaRPr lang="en-US" dirty="0">
+              <a:solidFill>
+                <a:srgbClr val="FF0000"/>
+              </a:solidFill>
+            </a:endParaRPr>
+          </a:p>
+        </p:txBody>
+      </p:sp>
+      <p:cxnSp>
+        <p:nvCxnSpPr>
+          <p:cNvPr id="54" name="Straight Connector 53"/>
+          <p:cNvCxnSpPr>
+            <a:endCxn id="52" idx="7"/>
+          </p:cNvCxnSpPr>
+          <p:nvPr/>
+        </p:nvCxnSpPr>
+        <p:spPr>
+          <a:xfrm flipH="1">
+            <a:off x="9079453" y="3032830"/>
+            <a:ext cx="805849" cy="505559"/>
+          </a:xfrm>
+          <a:prstGeom prst="line">
+            <a:avLst/>
+          </a:prstGeom>
+          <a:ln w="19050">
+            <a:solidFill>
+              <a:srgbClr val="FF0000"/>
+            </a:solidFill>
+            <a:prstDash val="sysDash"/>
           </a:ln>
         </p:spPr>
         <p:style>
@@ -4178,511 +4957,6 @@
           </a:fontRef>
         </p:style>
       </p:cxnSp>
-      <p:sp>
-        <p:nvSpPr>
-          <p:cNvPr id="24" name="TextBox 23"/>
-          <p:cNvSpPr txBox="1"/>
-          <p:nvPr/>
-        </p:nvSpPr>
-        <p:spPr>
-          <a:xfrm>
-            <a:off x="139613" y="16344"/>
-            <a:ext cx="4601388" cy="707886"/>
-          </a:xfrm>
-          <a:prstGeom prst="rect">
-            <a:avLst/>
-          </a:prstGeom>
-          <a:noFill/>
-        </p:spPr>
-        <p:txBody>
-          <a:bodyPr wrap="none" rtlCol="0">
-            <a:spAutoFit/>
-          </a:bodyPr>
-          <a:lstStyle/>
-          <a:p>
-            <a:r>
-              <a:rPr lang="en-US" sz="2000" dirty="0" smtClean="0"/>
-              <a:t># The command used to create a new </a:t>
-            </a:r>
-            <a:r>
-              <a:rPr lang="en-US" sz="2000" dirty="0" smtClean="0"/>
-              <a:t>bag:</a:t>
-            </a:r>
-            <a:r>
-              <a:rPr lang="en-US" sz="2000" i="1" dirty="0" smtClean="0"/>
-              <a:t/>
-            </a:r>
-            <a:br>
-              <a:rPr lang="en-US" sz="2000" i="1" dirty="0" smtClean="0"/>
-            </a:br>
-            <a:r>
-              <a:rPr lang="en-US" sz="2000" b="1" dirty="0" smtClean="0"/>
-              <a:t>python </a:t>
-            </a:r>
-            <a:r>
-              <a:rPr lang="en-US" sz="2000" b="1" dirty="0" err="1"/>
-              <a:t>meta.py</a:t>
-            </a:r>
-            <a:r>
-              <a:rPr lang="en-US" sz="2000" b="1" dirty="0"/>
-              <a:t> -m </a:t>
-            </a:r>
-            <a:r>
-              <a:rPr lang="en-US" sz="2000" b="1" dirty="0" smtClean="0">
-                <a:solidFill>
-                  <a:schemeClr val="accent2"/>
-                </a:solidFill>
-              </a:rPr>
-              <a:t>MYMINIDS</a:t>
-            </a:r>
-            <a:r>
-              <a:rPr lang="en-US" sz="2000" b="1" dirty="0" smtClean="0"/>
-              <a:t> -b </a:t>
-            </a:r>
-            <a:r>
-              <a:rPr lang="en-US" sz="2000" b="1" dirty="0" smtClean="0">
-                <a:solidFill>
-                  <a:schemeClr val="accent5"/>
-                </a:solidFill>
-              </a:rPr>
-              <a:t>MYBAG</a:t>
-            </a:r>
-            <a:endParaRPr lang="en-US" sz="2000" b="1" dirty="0">
-              <a:solidFill>
-                <a:schemeClr val="accent5"/>
-              </a:solidFill>
-            </a:endParaRPr>
-          </a:p>
-        </p:txBody>
-      </p:sp>
-      <p:sp>
-        <p:nvSpPr>
-          <p:cNvPr id="25" name="TextBox 24"/>
-          <p:cNvSpPr txBox="1"/>
-          <p:nvPr/>
-        </p:nvSpPr>
-        <p:spPr>
-          <a:xfrm>
-            <a:off x="5086500" y="3365433"/>
-            <a:ext cx="3837910" cy="369332"/>
-          </a:xfrm>
-          <a:prstGeom prst="rect">
-            <a:avLst/>
-          </a:prstGeom>
-          <a:noFill/>
-        </p:spPr>
-        <p:txBody>
-          <a:bodyPr wrap="none" rtlCol="0">
-            <a:spAutoFit/>
-          </a:bodyPr>
-          <a:lstStyle/>
-          <a:p>
-            <a:r>
-              <a:rPr lang="en-US" dirty="0" smtClean="0"/>
-              <a:t>The new BDBAG to be created: </a:t>
-            </a:r>
-            <a:r>
-              <a:rPr lang="en-US" b="1" dirty="0" smtClean="0">
-                <a:solidFill>
-                  <a:schemeClr val="accent5"/>
-                </a:solidFill>
-              </a:rPr>
-              <a:t>MYBAG</a:t>
-            </a:r>
-            <a:endParaRPr lang="en-US" b="1" dirty="0">
-              <a:solidFill>
-                <a:schemeClr val="accent5"/>
-              </a:solidFill>
-            </a:endParaRPr>
-          </a:p>
-        </p:txBody>
-      </p:sp>
-      <p:sp>
-        <p:nvSpPr>
-          <p:cNvPr id="26" name="TextBox 25"/>
-          <p:cNvSpPr txBox="1"/>
-          <p:nvPr/>
-        </p:nvSpPr>
-        <p:spPr>
-          <a:xfrm>
-            <a:off x="730669" y="2166148"/>
-            <a:ext cx="2840073" cy="923330"/>
-          </a:xfrm>
-          <a:prstGeom prst="rect">
-            <a:avLst/>
-          </a:prstGeom>
-          <a:noFill/>
-          <a:ln>
-            <a:solidFill>
-              <a:schemeClr val="accent2"/>
-            </a:solidFill>
-          </a:ln>
-        </p:spPr>
-        <p:txBody>
-          <a:bodyPr wrap="none" rtlCol="0">
-            <a:spAutoFit/>
-          </a:bodyPr>
-          <a:lstStyle/>
-          <a:p>
-            <a:r>
-              <a:rPr lang="en-US" dirty="0" smtClean="0">
-                <a:solidFill>
-                  <a:schemeClr val="accent2"/>
-                </a:solidFill>
-              </a:rPr>
-              <a:t>Brief-description-1, MINID-1</a:t>
-            </a:r>
-          </a:p>
-          <a:p>
-            <a:r>
-              <a:rPr lang="mr-IN" dirty="0" smtClean="0">
-                <a:solidFill>
-                  <a:schemeClr val="accent2"/>
-                </a:solidFill>
-              </a:rPr>
-              <a:t>…</a:t>
-            </a:r>
-            <a:endParaRPr lang="en-US" dirty="0" smtClean="0">
-              <a:solidFill>
-                <a:schemeClr val="accent2"/>
-              </a:solidFill>
-            </a:endParaRPr>
-          </a:p>
-          <a:p>
-            <a:r>
-              <a:rPr lang="en-US" dirty="0" smtClean="0">
-                <a:solidFill>
-                  <a:schemeClr val="accent2"/>
-                </a:solidFill>
-              </a:rPr>
-              <a:t>Brief-description-N MINID-N</a:t>
-            </a:r>
-            <a:endParaRPr lang="en-US" dirty="0">
-              <a:solidFill>
-                <a:schemeClr val="accent2"/>
-              </a:solidFill>
-            </a:endParaRPr>
-          </a:p>
-        </p:txBody>
-      </p:sp>
-      <p:sp>
-        <p:nvSpPr>
-          <p:cNvPr id="27" name="TextBox 26"/>
-          <p:cNvSpPr txBox="1"/>
-          <p:nvPr/>
-        </p:nvSpPr>
-        <p:spPr>
-          <a:xfrm>
-            <a:off x="730669" y="1490665"/>
-            <a:ext cx="2663934" cy="646331"/>
-          </a:xfrm>
-          <a:prstGeom prst="rect">
-            <a:avLst/>
-          </a:prstGeom>
-          <a:noFill/>
-        </p:spPr>
-        <p:txBody>
-          <a:bodyPr wrap="none" rtlCol="0">
-            <a:spAutoFit/>
-          </a:bodyPr>
-          <a:lstStyle/>
-          <a:p>
-            <a:r>
-              <a:rPr lang="en-US" dirty="0" smtClean="0"/>
-              <a:t>A file listing the </a:t>
-            </a:r>
-            <a:r>
-              <a:rPr lang="en-US" dirty="0" err="1" smtClean="0"/>
-              <a:t>minids</a:t>
-            </a:r>
-            <a:r>
-              <a:rPr lang="en-US" dirty="0" smtClean="0"/>
-              <a:t> to </a:t>
-            </a:r>
-            <a:br>
-              <a:rPr lang="en-US" dirty="0" smtClean="0"/>
-            </a:br>
-            <a:r>
-              <a:rPr lang="en-US" dirty="0" smtClean="0"/>
-              <a:t>be referenced: </a:t>
-            </a:r>
-            <a:r>
-              <a:rPr lang="en-US" b="1" dirty="0" smtClean="0">
-                <a:solidFill>
-                  <a:schemeClr val="accent2"/>
-                </a:solidFill>
-              </a:rPr>
-              <a:t>MYMINIDS</a:t>
-            </a:r>
-            <a:endParaRPr lang="en-US" b="1" dirty="0">
-              <a:solidFill>
-                <a:schemeClr val="accent2"/>
-              </a:solidFill>
-            </a:endParaRPr>
-          </a:p>
-        </p:txBody>
-      </p:sp>
-      <p:sp>
-        <p:nvSpPr>
-          <p:cNvPr id="29" name="Oval 28"/>
-          <p:cNvSpPr/>
-          <p:nvPr/>
-        </p:nvSpPr>
-        <p:spPr>
-          <a:xfrm>
-            <a:off x="2422566" y="3261453"/>
-            <a:ext cx="9488385" cy="3293726"/>
-          </a:xfrm>
-          <a:prstGeom prst="ellipse">
-            <a:avLst/>
-          </a:prstGeom>
-          <a:noFill/>
-          <a:ln w="28575">
-            <a:prstDash val="dash"/>
-          </a:ln>
-        </p:spPr>
-        <p:style>
-          <a:lnRef idx="2">
-            <a:schemeClr val="accent1">
-              <a:shade val="50000"/>
-            </a:schemeClr>
-          </a:lnRef>
-          <a:fillRef idx="1">
-            <a:schemeClr val="accent1"/>
-          </a:fillRef>
-          <a:effectRef idx="0">
-            <a:schemeClr val="accent1"/>
-          </a:effectRef>
-          <a:fontRef idx="minor">
-            <a:schemeClr val="lt1"/>
-          </a:fontRef>
-        </p:style>
-        <p:txBody>
-          <a:bodyPr rtlCol="0" anchor="ctr"/>
-          <a:lstStyle/>
-          <a:p>
-            <a:pPr algn="ctr"/>
-            <a:endParaRPr lang="en-US"/>
-          </a:p>
-        </p:txBody>
-      </p:sp>
-      <p:sp>
-        <p:nvSpPr>
-          <p:cNvPr id="30" name="Oval 29"/>
-          <p:cNvSpPr/>
-          <p:nvPr/>
-        </p:nvSpPr>
-        <p:spPr>
-          <a:xfrm>
-            <a:off x="236237" y="1041691"/>
-            <a:ext cx="3813250" cy="2673153"/>
-          </a:xfrm>
-          <a:prstGeom prst="ellipse">
-            <a:avLst/>
-          </a:prstGeom>
-          <a:noFill/>
-          <a:ln w="28575">
-            <a:solidFill>
-              <a:schemeClr val="accent2"/>
-            </a:solidFill>
-            <a:prstDash val="dash"/>
-          </a:ln>
-        </p:spPr>
-        <p:style>
-          <a:lnRef idx="2">
-            <a:schemeClr val="accent1">
-              <a:shade val="50000"/>
-            </a:schemeClr>
-          </a:lnRef>
-          <a:fillRef idx="1">
-            <a:schemeClr val="accent1"/>
-          </a:fillRef>
-          <a:effectRef idx="0">
-            <a:schemeClr val="accent1"/>
-          </a:effectRef>
-          <a:fontRef idx="minor">
-            <a:schemeClr val="lt1"/>
-          </a:fontRef>
-        </p:style>
-        <p:txBody>
-          <a:bodyPr rtlCol="0" anchor="ctr"/>
-          <a:lstStyle/>
-          <a:p>
-            <a:pPr algn="ctr"/>
-            <a:endParaRPr lang="en-US"/>
-          </a:p>
-        </p:txBody>
-      </p:sp>
-      <p:cxnSp>
-        <p:nvCxnSpPr>
-          <p:cNvPr id="32" name="Straight Arrow Connector 31"/>
-          <p:cNvCxnSpPr/>
-          <p:nvPr/>
-        </p:nvCxnSpPr>
-        <p:spPr>
-          <a:xfrm flipH="1">
-            <a:off x="2486791" y="669297"/>
-            <a:ext cx="90154" cy="424461"/>
-          </a:xfrm>
-          <a:prstGeom prst="straightConnector1">
-            <a:avLst/>
-          </a:prstGeom>
-          <a:ln>
-            <a:solidFill>
-              <a:schemeClr val="accent2"/>
-            </a:solidFill>
-            <a:tailEnd type="triangle"/>
-          </a:ln>
-        </p:spPr>
-        <p:style>
-          <a:lnRef idx="1">
-            <a:schemeClr val="accent1"/>
-          </a:lnRef>
-          <a:fillRef idx="0">
-            <a:schemeClr val="accent1"/>
-          </a:fillRef>
-          <a:effectRef idx="0">
-            <a:schemeClr val="accent1"/>
-          </a:effectRef>
-          <a:fontRef idx="minor">
-            <a:schemeClr val="tx1"/>
-          </a:fontRef>
-        </p:style>
-      </p:cxnSp>
-      <p:cxnSp>
-        <p:nvCxnSpPr>
-          <p:cNvPr id="33" name="Straight Arrow Connector 32"/>
-          <p:cNvCxnSpPr/>
-          <p:nvPr/>
-        </p:nvCxnSpPr>
-        <p:spPr>
-          <a:xfrm>
-            <a:off x="4035475" y="682087"/>
-            <a:ext cx="1272795" cy="2683346"/>
-          </a:xfrm>
-          <a:prstGeom prst="straightConnector1">
-            <a:avLst/>
-          </a:prstGeom>
-          <a:ln>
-            <a:solidFill>
-              <a:schemeClr val="accent5"/>
-            </a:solidFill>
-            <a:tailEnd type="triangle"/>
-          </a:ln>
-        </p:spPr>
-        <p:style>
-          <a:lnRef idx="1">
-            <a:schemeClr val="accent1"/>
-          </a:lnRef>
-          <a:fillRef idx="0">
-            <a:schemeClr val="accent1"/>
-          </a:fillRef>
-          <a:effectRef idx="0">
-            <a:schemeClr val="accent1"/>
-          </a:effectRef>
-          <a:fontRef idx="minor">
-            <a:schemeClr val="tx1"/>
-          </a:fontRef>
-        </p:style>
-      </p:cxnSp>
-      <p:sp>
-        <p:nvSpPr>
-          <p:cNvPr id="36" name="Oval 35"/>
-          <p:cNvSpPr/>
-          <p:nvPr/>
-        </p:nvSpPr>
-        <p:spPr>
-          <a:xfrm>
-            <a:off x="112095" y="3764459"/>
-            <a:ext cx="2236026" cy="2962696"/>
-          </a:xfrm>
-          <a:prstGeom prst="ellipse">
-            <a:avLst/>
-          </a:prstGeom>
-          <a:noFill/>
-          <a:ln w="28575">
-            <a:solidFill>
-              <a:schemeClr val="accent6">
-                <a:lumMod val="75000"/>
-              </a:schemeClr>
-            </a:solidFill>
-            <a:prstDash val="dash"/>
-          </a:ln>
-        </p:spPr>
-        <p:style>
-          <a:lnRef idx="2">
-            <a:schemeClr val="accent1">
-              <a:shade val="50000"/>
-            </a:schemeClr>
-          </a:lnRef>
-          <a:fillRef idx="1">
-            <a:schemeClr val="accent1"/>
-          </a:fillRef>
-          <a:effectRef idx="0">
-            <a:schemeClr val="accent1"/>
-          </a:effectRef>
-          <a:fontRef idx="minor">
-            <a:schemeClr val="lt1"/>
-          </a:fontRef>
-        </p:style>
-        <p:txBody>
-          <a:bodyPr rtlCol="0" anchor="ctr"/>
-          <a:lstStyle/>
-          <a:p>
-            <a:pPr algn="ctr"/>
-            <a:endParaRPr lang="en-US"/>
-          </a:p>
-        </p:txBody>
-      </p:sp>
-      <p:sp>
-        <p:nvSpPr>
-          <p:cNvPr id="39" name="TextBox 38"/>
-          <p:cNvSpPr txBox="1"/>
-          <p:nvPr/>
-        </p:nvSpPr>
-        <p:spPr>
-          <a:xfrm>
-            <a:off x="481465" y="4125294"/>
-            <a:ext cx="1530740" cy="646331"/>
-          </a:xfrm>
-          <a:prstGeom prst="rect">
-            <a:avLst/>
-          </a:prstGeom>
-          <a:noFill/>
-        </p:spPr>
-        <p:txBody>
-          <a:bodyPr wrap="none" rtlCol="0">
-            <a:spAutoFit/>
-          </a:bodyPr>
-          <a:lstStyle/>
-          <a:p>
-            <a:r>
-              <a:rPr lang="en-US" dirty="0" smtClean="0"/>
-              <a:t>The </a:t>
-            </a:r>
-            <a:r>
-              <a:rPr lang="en-US" dirty="0" err="1" smtClean="0"/>
-              <a:t>Minids</a:t>
-            </a:r>
-            <a:r>
-              <a:rPr lang="en-US" dirty="0" smtClean="0"/>
-              <a:t> </a:t>
-            </a:r>
-            <a:br>
-              <a:rPr lang="en-US" dirty="0" smtClean="0"/>
-            </a:br>
-            <a:r>
-              <a:rPr lang="en-US" dirty="0" smtClean="0"/>
-              <a:t>to be included</a:t>
-            </a:r>
-            <a:endParaRPr lang="en-US" b="1" dirty="0">
-              <a:solidFill>
-                <a:schemeClr val="accent2"/>
-              </a:solidFill>
-            </a:endParaRPr>
-          </a:p>
-        </p:txBody>
-      </p:sp>
     </p:spTree>
     <p:extLst>
       <p:ext uri="{BB962C8B-B14F-4D97-AF65-F5344CB8AC3E}">

--- a/examples/images/MetaBags.pptx
+++ b/examples/images/MetaBags.pptx
@@ -3419,7 +3419,7 @@
         <p:spPr>
           <a:xfrm>
             <a:off x="112095" y="2328144"/>
-            <a:ext cx="4819723" cy="4399012"/>
+            <a:ext cx="4760445" cy="4315724"/>
           </a:xfrm>
           <a:prstGeom prst="rtTriangle">
             <a:avLst/>
@@ -4169,7 +4169,7 @@
         </p:nvSpPr>
         <p:spPr>
           <a:xfrm>
-            <a:off x="6694181" y="2720390"/>
+            <a:off x="5579829" y="2721759"/>
             <a:ext cx="918841" cy="369332"/>
           </a:xfrm>
           <a:prstGeom prst="rect">
@@ -4354,8 +4354,8 @@
         </p:nvCxnSpPr>
         <p:spPr>
           <a:xfrm>
-            <a:off x="5180996" y="680500"/>
-            <a:ext cx="1777094" cy="2026553"/>
+            <a:off x="4930688" y="664131"/>
+            <a:ext cx="982679" cy="2052959"/>
           </a:xfrm>
           <a:prstGeom prst="straightConnector1">
             <a:avLst/>
@@ -4573,112 +4573,6 @@
           </a:fontRef>
         </p:style>
       </p:cxnSp>
-      <p:cxnSp>
-        <p:nvCxnSpPr>
-          <p:cNvPr id="16" name="Straight Arrow Connector 15"/>
-          <p:cNvCxnSpPr>
-            <a:endCxn id="8" idx="3"/>
-          </p:cNvCxnSpPr>
-          <p:nvPr/>
-        </p:nvCxnSpPr>
-        <p:spPr>
-          <a:xfrm flipH="1">
-            <a:off x="1869086" y="3903141"/>
-            <a:ext cx="1242858" cy="1085319"/>
-          </a:xfrm>
-          <a:prstGeom prst="straightConnector1">
-            <a:avLst/>
-          </a:prstGeom>
-          <a:ln w="19050">
-            <a:solidFill>
-              <a:srgbClr val="FF0000"/>
-            </a:solidFill>
-            <a:tailEnd type="triangle"/>
-          </a:ln>
-        </p:spPr>
-        <p:style>
-          <a:lnRef idx="1">
-            <a:schemeClr val="accent1"/>
-          </a:lnRef>
-          <a:fillRef idx="0">
-            <a:schemeClr val="accent1"/>
-          </a:fillRef>
-          <a:effectRef idx="0">
-            <a:schemeClr val="accent1"/>
-          </a:effectRef>
-          <a:fontRef idx="minor">
-            <a:schemeClr val="tx1"/>
-          </a:fontRef>
-        </p:style>
-      </p:cxnSp>
-      <p:cxnSp>
-        <p:nvCxnSpPr>
-          <p:cNvPr id="17" name="Straight Arrow Connector 16"/>
-          <p:cNvCxnSpPr>
-            <a:endCxn id="9" idx="3"/>
-          </p:cNvCxnSpPr>
-          <p:nvPr/>
-        </p:nvCxnSpPr>
-        <p:spPr>
-          <a:xfrm flipH="1">
-            <a:off x="1869086" y="4502872"/>
-            <a:ext cx="1242858" cy="1682641"/>
-          </a:xfrm>
-          <a:prstGeom prst="straightConnector1">
-            <a:avLst/>
-          </a:prstGeom>
-          <a:ln w="19050">
-            <a:solidFill>
-              <a:srgbClr val="FF0000"/>
-            </a:solidFill>
-            <a:tailEnd type="triangle"/>
-          </a:ln>
-        </p:spPr>
-        <p:style>
-          <a:lnRef idx="1">
-            <a:schemeClr val="accent1"/>
-          </a:lnRef>
-          <a:fillRef idx="0">
-            <a:schemeClr val="accent1"/>
-          </a:fillRef>
-          <a:effectRef idx="0">
-            <a:schemeClr val="accent1"/>
-          </a:effectRef>
-          <a:fontRef idx="minor">
-            <a:schemeClr val="tx1"/>
-          </a:fontRef>
-        </p:style>
-      </p:cxnSp>
-      <p:sp>
-        <p:nvSpPr>
-          <p:cNvPr id="40" name="TextBox 39"/>
-          <p:cNvSpPr txBox="1"/>
-          <p:nvPr/>
-        </p:nvSpPr>
-        <p:spPr>
-          <a:xfrm>
-            <a:off x="2165226" y="6052998"/>
-            <a:ext cx="1952714" cy="369332"/>
-          </a:xfrm>
-          <a:prstGeom prst="rect">
-            <a:avLst/>
-          </a:prstGeom>
-          <a:noFill/>
-        </p:spPr>
-        <p:txBody>
-          <a:bodyPr wrap="none" rtlCol="0">
-            <a:spAutoFit/>
-          </a:bodyPr>
-          <a:lstStyle/>
-          <a:p>
-            <a:r>
-              <a:rPr lang="en-US" smtClean="0"/>
-              <a:t>(Can be anywhere)</a:t>
-            </a:r>
-            <a:endParaRPr lang="en-US"/>
-          </a:p>
-        </p:txBody>
-      </p:sp>
       <p:sp>
         <p:nvSpPr>
           <p:cNvPr id="43" name="TextBox 42"/>
@@ -4957,6 +4851,238 @@
           </a:fontRef>
         </p:style>
       </p:cxnSp>
+      <p:sp>
+        <p:nvSpPr>
+          <p:cNvPr id="57" name="Freeform 56"/>
+          <p:cNvSpPr/>
+          <p:nvPr/>
+        </p:nvSpPr>
+        <p:spPr>
+          <a:xfrm>
+            <a:off x="1863602" y="3853607"/>
+            <a:ext cx="1174053" cy="950138"/>
+          </a:xfrm>
+          <a:custGeom>
+            <a:avLst/>
+            <a:gdLst>
+              <a:gd name="connsiteX0" fmla="*/ 1226917 w 1226917"/>
+              <a:gd name="connsiteY0" fmla="*/ 3799 h 1103394"/>
+              <a:gd name="connsiteX1" fmla="*/ 532436 w 1226917"/>
+              <a:gd name="connsiteY1" fmla="*/ 107971 h 1103394"/>
+              <a:gd name="connsiteX2" fmla="*/ 347241 w 1226917"/>
+              <a:gd name="connsiteY2" fmla="*/ 721429 h 1103394"/>
+              <a:gd name="connsiteX3" fmla="*/ 0 w 1226917"/>
+              <a:gd name="connsiteY3" fmla="*/ 1103394 h 1103394"/>
+              <a:gd name="connsiteX0" fmla="*/ 1226917 w 1226917"/>
+              <a:gd name="connsiteY0" fmla="*/ 281 h 1099876"/>
+              <a:gd name="connsiteX1" fmla="*/ 580820 w 1226917"/>
+              <a:gd name="connsiteY1" fmla="*/ 265238 h 1099876"/>
+              <a:gd name="connsiteX2" fmla="*/ 347241 w 1226917"/>
+              <a:gd name="connsiteY2" fmla="*/ 717911 h 1099876"/>
+              <a:gd name="connsiteX3" fmla="*/ 0 w 1226917"/>
+              <a:gd name="connsiteY3" fmla="*/ 1099876 h 1099876"/>
+              <a:gd name="connsiteX0" fmla="*/ 1226917 w 1226917"/>
+              <a:gd name="connsiteY0" fmla="*/ 284 h 1099879"/>
+              <a:gd name="connsiteX1" fmla="*/ 580820 w 1226917"/>
+              <a:gd name="connsiteY1" fmla="*/ 265241 h 1099879"/>
+              <a:gd name="connsiteX2" fmla="*/ 286761 w 1226917"/>
+              <a:gd name="connsiteY2" fmla="*/ 731313 h 1099879"/>
+              <a:gd name="connsiteX3" fmla="*/ 0 w 1226917"/>
+              <a:gd name="connsiteY3" fmla="*/ 1099879 h 1099879"/>
+            </a:gdLst>
+            <a:ahLst/>
+            <a:cxnLst>
+              <a:cxn ang="0">
+                <a:pos x="connsiteX0" y="connsiteY0"/>
+              </a:cxn>
+              <a:cxn ang="0">
+                <a:pos x="connsiteX1" y="connsiteY1"/>
+              </a:cxn>
+              <a:cxn ang="0">
+                <a:pos x="connsiteX2" y="connsiteY2"/>
+              </a:cxn>
+              <a:cxn ang="0">
+                <a:pos x="connsiteX3" y="connsiteY3"/>
+              </a:cxn>
+            </a:cxnLst>
+            <a:rect l="l" t="t" r="r" b="b"/>
+            <a:pathLst>
+              <a:path w="1226917" h="1099879">
+                <a:moveTo>
+                  <a:pt x="1226917" y="284"/>
+                </a:moveTo>
+                <a:cubicBezTo>
+                  <a:pt x="952983" y="-7433"/>
+                  <a:pt x="737513" y="143403"/>
+                  <a:pt x="580820" y="265241"/>
+                </a:cubicBezTo>
+                <a:cubicBezTo>
+                  <a:pt x="424127" y="387079"/>
+                  <a:pt x="383564" y="592207"/>
+                  <a:pt x="286761" y="731313"/>
+                </a:cubicBezTo>
+                <a:cubicBezTo>
+                  <a:pt x="189958" y="870419"/>
+                  <a:pt x="0" y="1099879"/>
+                  <a:pt x="0" y="1099879"/>
+                </a:cubicBezTo>
+              </a:path>
+            </a:pathLst>
+          </a:custGeom>
+          <a:noFill/>
+          <a:ln w="19050">
+            <a:solidFill>
+              <a:srgbClr val="FF0000"/>
+            </a:solidFill>
+            <a:headEnd type="none" w="med" len="med"/>
+            <a:tailEnd type="triangle" w="med" len="med"/>
+          </a:ln>
+        </p:spPr>
+        <p:style>
+          <a:lnRef idx="2">
+            <a:schemeClr val="accent1">
+              <a:shade val="50000"/>
+            </a:schemeClr>
+          </a:lnRef>
+          <a:fillRef idx="1">
+            <a:schemeClr val="accent1"/>
+          </a:fillRef>
+          <a:effectRef idx="0">
+            <a:schemeClr val="accent1"/>
+          </a:effectRef>
+          <a:fontRef idx="minor">
+            <a:schemeClr val="lt1"/>
+          </a:fontRef>
+        </p:style>
+        <p:txBody>
+          <a:bodyPr rtlCol="0" anchor="ctr"/>
+          <a:lstStyle/>
+          <a:p>
+            <a:pPr algn="ctr"/>
+            <a:endParaRPr lang="en-US"/>
+          </a:p>
+        </p:txBody>
+      </p:sp>
+      <p:sp>
+        <p:nvSpPr>
+          <p:cNvPr id="58" name="Freeform 57"/>
+          <p:cNvSpPr/>
+          <p:nvPr/>
+        </p:nvSpPr>
+        <p:spPr>
+          <a:xfrm>
+            <a:off x="1869223" y="4423840"/>
+            <a:ext cx="1174053" cy="1615902"/>
+          </a:xfrm>
+          <a:custGeom>
+            <a:avLst/>
+            <a:gdLst>
+              <a:gd name="connsiteX0" fmla="*/ 1226917 w 1226917"/>
+              <a:gd name="connsiteY0" fmla="*/ 3799 h 1103394"/>
+              <a:gd name="connsiteX1" fmla="*/ 532436 w 1226917"/>
+              <a:gd name="connsiteY1" fmla="*/ 107971 h 1103394"/>
+              <a:gd name="connsiteX2" fmla="*/ 347241 w 1226917"/>
+              <a:gd name="connsiteY2" fmla="*/ 721429 h 1103394"/>
+              <a:gd name="connsiteX3" fmla="*/ 0 w 1226917"/>
+              <a:gd name="connsiteY3" fmla="*/ 1103394 h 1103394"/>
+              <a:gd name="connsiteX0" fmla="*/ 1226917 w 1226917"/>
+              <a:gd name="connsiteY0" fmla="*/ 239 h 1099834"/>
+              <a:gd name="connsiteX1" fmla="*/ 532436 w 1226917"/>
+              <a:gd name="connsiteY1" fmla="*/ 293490 h 1099834"/>
+              <a:gd name="connsiteX2" fmla="*/ 347241 w 1226917"/>
+              <a:gd name="connsiteY2" fmla="*/ 717869 h 1099834"/>
+              <a:gd name="connsiteX3" fmla="*/ 0 w 1226917"/>
+              <a:gd name="connsiteY3" fmla="*/ 1099834 h 1099834"/>
+              <a:gd name="connsiteX0" fmla="*/ 1226917 w 1226917"/>
+              <a:gd name="connsiteY0" fmla="*/ 300 h 1099895"/>
+              <a:gd name="connsiteX1" fmla="*/ 532436 w 1226917"/>
+              <a:gd name="connsiteY1" fmla="*/ 293551 h 1099895"/>
+              <a:gd name="connsiteX2" fmla="*/ 347241 w 1226917"/>
+              <a:gd name="connsiteY2" fmla="*/ 717930 h 1099895"/>
+              <a:gd name="connsiteX3" fmla="*/ 0 w 1226917"/>
+              <a:gd name="connsiteY3" fmla="*/ 1099895 h 1099895"/>
+              <a:gd name="connsiteX0" fmla="*/ 1226917 w 1226917"/>
+              <a:gd name="connsiteY0" fmla="*/ 259 h 1099854"/>
+              <a:gd name="connsiteX1" fmla="*/ 532436 w 1226917"/>
+              <a:gd name="connsiteY1" fmla="*/ 293510 h 1099854"/>
+              <a:gd name="connsiteX2" fmla="*/ 371433 w 1226917"/>
+              <a:gd name="connsiteY2" fmla="*/ 804550 h 1099854"/>
+              <a:gd name="connsiteX3" fmla="*/ 0 w 1226917"/>
+              <a:gd name="connsiteY3" fmla="*/ 1099854 h 1099854"/>
+            </a:gdLst>
+            <a:ahLst/>
+            <a:cxnLst>
+              <a:cxn ang="0">
+                <a:pos x="connsiteX0" y="connsiteY0"/>
+              </a:cxn>
+              <a:cxn ang="0">
+                <a:pos x="connsiteX1" y="connsiteY1"/>
+              </a:cxn>
+              <a:cxn ang="0">
+                <a:pos x="connsiteX2" y="connsiteY2"/>
+              </a:cxn>
+              <a:cxn ang="0">
+                <a:pos x="connsiteX3" y="connsiteY3"/>
+              </a:cxn>
+            </a:cxnLst>
+            <a:rect l="l" t="t" r="r" b="b"/>
+            <a:pathLst>
+              <a:path w="1226917" h="1099854">
+                <a:moveTo>
+                  <a:pt x="1226917" y="259"/>
+                </a:moveTo>
+                <a:cubicBezTo>
+                  <a:pt x="952983" y="-7458"/>
+                  <a:pt x="675017" y="159462"/>
+                  <a:pt x="532436" y="293510"/>
+                </a:cubicBezTo>
+                <a:cubicBezTo>
+                  <a:pt x="389855" y="427558"/>
+                  <a:pt x="460172" y="670159"/>
+                  <a:pt x="371433" y="804550"/>
+                </a:cubicBezTo>
+                <a:cubicBezTo>
+                  <a:pt x="282694" y="938941"/>
+                  <a:pt x="0" y="1099854"/>
+                  <a:pt x="0" y="1099854"/>
+                </a:cubicBezTo>
+              </a:path>
+            </a:pathLst>
+          </a:custGeom>
+          <a:noFill/>
+          <a:ln w="19050">
+            <a:solidFill>
+              <a:srgbClr val="FF0000"/>
+            </a:solidFill>
+            <a:headEnd type="none" w="med" len="med"/>
+            <a:tailEnd type="triangle" w="med" len="med"/>
+          </a:ln>
+        </p:spPr>
+        <p:style>
+          <a:lnRef idx="2">
+            <a:schemeClr val="accent1">
+              <a:shade val="50000"/>
+            </a:schemeClr>
+          </a:lnRef>
+          <a:fillRef idx="1">
+            <a:schemeClr val="accent1"/>
+          </a:fillRef>
+          <a:effectRef idx="0">
+            <a:schemeClr val="accent1"/>
+          </a:effectRef>
+          <a:fontRef idx="minor">
+            <a:schemeClr val="lt1"/>
+          </a:fontRef>
+        </p:style>
+        <p:txBody>
+          <a:bodyPr rtlCol="0" anchor="ctr"/>
+          <a:lstStyle/>
+          <a:p>
+            <a:pPr algn="ctr"/>
+            <a:endParaRPr lang="en-US"/>
+          </a:p>
+        </p:txBody>
+      </p:sp>
     </p:spTree>
     <p:extLst>
       <p:ext uri="{BB962C8B-B14F-4D97-AF65-F5344CB8AC3E}">
